--- a/other/tech_stack.pptx
+++ b/other/tech_stack.pptx
@@ -303,7 +303,7 @@
           <a:p>
             <a:fld id="{96AA1D5B-F47E-4849-93B6-1762894A7C79}" type="datetimeFigureOut">
               <a:rPr lang="zh-CN" altLang="en-US" smtClean="0"/>
-              <a:t>2021/7/16</a:t>
+              <a:t>2021/7/30</a:t>
             </a:fld>
             <a:endParaRPr lang="zh-CN" altLang="en-US"/>
           </a:p>
@@ -739,7 +739,7 @@
           <a:p>
             <a:fld id="{96AA1D5B-F47E-4849-93B6-1762894A7C79}" type="datetimeFigureOut">
               <a:rPr lang="zh-CN" altLang="en-US" smtClean="0"/>
-              <a:t>2021/7/16</a:t>
+              <a:t>2021/7/30</a:t>
             </a:fld>
             <a:endParaRPr lang="zh-CN" altLang="en-US"/>
           </a:p>
@@ -989,7 +989,7 @@
           <a:p>
             <a:fld id="{96AA1D5B-F47E-4849-93B6-1762894A7C79}" type="datetimeFigureOut">
               <a:rPr lang="zh-CN" altLang="en-US" smtClean="0"/>
-              <a:t>2021/7/16</a:t>
+              <a:t>2021/7/30</a:t>
             </a:fld>
             <a:endParaRPr lang="zh-CN" altLang="en-US"/>
           </a:p>
@@ -1297,7 +1297,7 @@
           <a:p>
             <a:fld id="{96AA1D5B-F47E-4849-93B6-1762894A7C79}" type="datetimeFigureOut">
               <a:rPr lang="zh-CN" altLang="en-US" smtClean="0"/>
-              <a:t>2021/7/16</a:t>
+              <a:t>2021/7/30</a:t>
             </a:fld>
             <a:endParaRPr lang="zh-CN" altLang="en-US"/>
           </a:p>
@@ -1615,7 +1615,7 @@
           <a:p>
             <a:fld id="{96AA1D5B-F47E-4849-93B6-1762894A7C79}" type="datetimeFigureOut">
               <a:rPr lang="zh-CN" altLang="en-US" smtClean="0"/>
-              <a:t>2021/7/16</a:t>
+              <a:t>2021/7/30</a:t>
             </a:fld>
             <a:endParaRPr lang="zh-CN" altLang="en-US"/>
           </a:p>
@@ -1917,7 +1917,7 @@
           <a:p>
             <a:fld id="{96AA1D5B-F47E-4849-93B6-1762894A7C79}" type="datetimeFigureOut">
               <a:rPr lang="zh-CN" altLang="en-US" smtClean="0"/>
-              <a:t>2021/7/16</a:t>
+              <a:t>2021/7/30</a:t>
             </a:fld>
             <a:endParaRPr lang="zh-CN" altLang="en-US"/>
           </a:p>
@@ -2284,7 +2284,7 @@
           <a:p>
             <a:fld id="{96AA1D5B-F47E-4849-93B6-1762894A7C79}" type="datetimeFigureOut">
               <a:rPr lang="zh-CN" altLang="en-US" smtClean="0"/>
-              <a:t>2021/7/16</a:t>
+              <a:t>2021/7/30</a:t>
             </a:fld>
             <a:endParaRPr lang="zh-CN" altLang="en-US"/>
           </a:p>
@@ -2458,7 +2458,7 @@
           <a:p>
             <a:fld id="{96AA1D5B-F47E-4849-93B6-1762894A7C79}" type="datetimeFigureOut">
               <a:rPr lang="zh-CN" altLang="en-US" smtClean="0"/>
-              <a:t>2021/7/16</a:t>
+              <a:t>2021/7/30</a:t>
             </a:fld>
             <a:endParaRPr lang="zh-CN" altLang="en-US"/>
           </a:p>
@@ -2638,7 +2638,7 @@
           <a:p>
             <a:fld id="{96AA1D5B-F47E-4849-93B6-1762894A7C79}" type="datetimeFigureOut">
               <a:rPr lang="zh-CN" altLang="en-US" smtClean="0"/>
-              <a:t>2021/7/16</a:t>
+              <a:t>2021/7/30</a:t>
             </a:fld>
             <a:endParaRPr lang="zh-CN" altLang="en-US"/>
           </a:p>
@@ -2808,7 +2808,7 @@
           <a:p>
             <a:fld id="{96AA1D5B-F47E-4849-93B6-1762894A7C79}" type="datetimeFigureOut">
               <a:rPr lang="zh-CN" altLang="en-US" smtClean="0"/>
-              <a:t>2021/7/16</a:t>
+              <a:t>2021/7/30</a:t>
             </a:fld>
             <a:endParaRPr lang="zh-CN" altLang="en-US"/>
           </a:p>
@@ -3058,7 +3058,7 @@
           <a:p>
             <a:fld id="{96AA1D5B-F47E-4849-93B6-1762894A7C79}" type="datetimeFigureOut">
               <a:rPr lang="zh-CN" altLang="en-US" smtClean="0"/>
-              <a:t>2021/7/16</a:t>
+              <a:t>2021/7/30</a:t>
             </a:fld>
             <a:endParaRPr lang="zh-CN" altLang="en-US"/>
           </a:p>
@@ -3294,7 +3294,7 @@
           <a:p>
             <a:fld id="{96AA1D5B-F47E-4849-93B6-1762894A7C79}" type="datetimeFigureOut">
               <a:rPr lang="zh-CN" altLang="en-US" smtClean="0"/>
-              <a:t>2021/7/16</a:t>
+              <a:t>2021/7/30</a:t>
             </a:fld>
             <a:endParaRPr lang="zh-CN" altLang="en-US"/>
           </a:p>
@@ -3676,7 +3676,7 @@
           <a:p>
             <a:fld id="{96AA1D5B-F47E-4849-93B6-1762894A7C79}" type="datetimeFigureOut">
               <a:rPr lang="zh-CN" altLang="en-US" smtClean="0"/>
-              <a:t>2021/7/16</a:t>
+              <a:t>2021/7/30</a:t>
             </a:fld>
             <a:endParaRPr lang="zh-CN" altLang="en-US"/>
           </a:p>
@@ -3794,7 +3794,7 @@
           <a:p>
             <a:fld id="{96AA1D5B-F47E-4849-93B6-1762894A7C79}" type="datetimeFigureOut">
               <a:rPr lang="zh-CN" altLang="en-US" smtClean="0"/>
-              <a:t>2021/7/16</a:t>
+              <a:t>2021/7/30</a:t>
             </a:fld>
             <a:endParaRPr lang="zh-CN" altLang="en-US"/>
           </a:p>
@@ -3889,7 +3889,7 @@
           <a:p>
             <a:fld id="{96AA1D5B-F47E-4849-93B6-1762894A7C79}" type="datetimeFigureOut">
               <a:rPr lang="zh-CN" altLang="en-US" smtClean="0"/>
-              <a:t>2021/7/16</a:t>
+              <a:t>2021/7/30</a:t>
             </a:fld>
             <a:endParaRPr lang="zh-CN" altLang="en-US"/>
           </a:p>
@@ -4144,7 +4144,7 @@
           <a:p>
             <a:fld id="{96AA1D5B-F47E-4849-93B6-1762894A7C79}" type="datetimeFigureOut">
               <a:rPr lang="zh-CN" altLang="en-US" smtClean="0"/>
-              <a:t>2021/7/16</a:t>
+              <a:t>2021/7/30</a:t>
             </a:fld>
             <a:endParaRPr lang="zh-CN" altLang="en-US"/>
           </a:p>
@@ -4427,7 +4427,7 @@
           <a:p>
             <a:fld id="{96AA1D5B-F47E-4849-93B6-1762894A7C79}" type="datetimeFigureOut">
               <a:rPr lang="zh-CN" altLang="en-US" smtClean="0"/>
-              <a:t>2021/7/16</a:t>
+              <a:t>2021/7/30</a:t>
             </a:fld>
             <a:endParaRPr lang="zh-CN" altLang="en-US"/>
           </a:p>
@@ -4833,7 +4833,7 @@
           <a:p>
             <a:fld id="{96AA1D5B-F47E-4849-93B6-1762894A7C79}" type="datetimeFigureOut">
               <a:rPr lang="zh-CN" altLang="en-US" smtClean="0"/>
-              <a:t>2021/7/16</a:t>
+              <a:t>2021/7/30</a:t>
             </a:fld>
             <a:endParaRPr lang="zh-CN" altLang="en-US"/>
           </a:p>
@@ -5370,10 +5370,10 @@
       </p:grpSpPr>
       <p:grpSp>
         <p:nvGrpSpPr>
-          <p:cNvPr id="30" name="组合 29">
+          <p:cNvPr id="25" name="组合 24">
             <a:extLst>
               <a:ext uri="{FF2B5EF4-FFF2-40B4-BE49-F238E27FC236}">
-                <a16:creationId xmlns:a16="http://schemas.microsoft.com/office/drawing/2014/main" id="{FCD2AFB2-DFB9-4A92-B0F9-2F7AE9BC1112}"/>
+                <a16:creationId xmlns:a16="http://schemas.microsoft.com/office/drawing/2014/main" id="{E50A3DA5-DEA9-4D88-8E0C-BA7F6657089D}"/>
               </a:ext>
             </a:extLst>
           </p:cNvPr>
@@ -5382,18 +5382,90 @@
         </p:nvGrpSpPr>
         <p:grpSpPr>
           <a:xfrm>
-            <a:off x="996972" y="2014769"/>
-            <a:ext cx="8473629" cy="2468990"/>
-            <a:chOff x="2861283" y="1952625"/>
-            <a:chExt cx="8473629" cy="2468990"/>
+            <a:off x="763479" y="674702"/>
+            <a:ext cx="8416031" cy="3269202"/>
+            <a:chOff x="763479" y="674702"/>
+            <a:chExt cx="8416031" cy="3269202"/>
           </a:xfrm>
         </p:grpSpPr>
+        <p:cxnSp>
+          <p:nvCxnSpPr>
+            <p:cNvPr id="11" name="直接连接符 10">
+              <a:extLst>
+                <a:ext uri="{FF2B5EF4-FFF2-40B4-BE49-F238E27FC236}">
+                  <a16:creationId xmlns:a16="http://schemas.microsoft.com/office/drawing/2014/main" id="{CC2C1A7A-F22C-4FF1-8279-76E98CDB9328}"/>
+                </a:ext>
+              </a:extLst>
+            </p:cNvPr>
+            <p:cNvCxnSpPr>
+              <a:stCxn id="46" idx="0"/>
+              <a:endCxn id="47" idx="2"/>
+            </p:cNvCxnSpPr>
+            <p:nvPr/>
+          </p:nvCxnSpPr>
+          <p:spPr>
+            <a:xfrm flipH="1" flipV="1">
+              <a:off x="5707367" y="1606126"/>
+              <a:ext cx="906549" cy="280949"/>
+            </a:xfrm>
+            <a:prstGeom prst="line">
+              <a:avLst/>
+            </a:prstGeom>
+            <a:noFill/>
+            <a:ln w="19050" cap="flat" cmpd="sng" algn="ctr">
+              <a:solidFill>
+                <a:schemeClr val="accent2">
+                  <a:lumMod val="20000"/>
+                  <a:lumOff val="80000"/>
+                </a:schemeClr>
+              </a:solidFill>
+              <a:prstDash val="solid"/>
+            </a:ln>
+            <a:effectLst/>
+          </p:spPr>
+        </p:cxnSp>
+        <p:cxnSp>
+          <p:nvCxnSpPr>
+            <p:cNvPr id="14" name="直接连接符 13">
+              <a:extLst>
+                <a:ext uri="{FF2B5EF4-FFF2-40B4-BE49-F238E27FC236}">
+                  <a16:creationId xmlns:a16="http://schemas.microsoft.com/office/drawing/2014/main" id="{3D5FF793-EE3B-4279-99C3-060A7A4943E2}"/>
+                </a:ext>
+              </a:extLst>
+            </p:cNvPr>
+            <p:cNvCxnSpPr>
+              <a:stCxn id="46" idx="0"/>
+              <a:endCxn id="48" idx="2"/>
+            </p:cNvCxnSpPr>
+            <p:nvPr/>
+          </p:nvCxnSpPr>
+          <p:spPr>
+            <a:xfrm flipV="1">
+              <a:off x="6613916" y="1614720"/>
+              <a:ext cx="873985" cy="272355"/>
+            </a:xfrm>
+            <a:prstGeom prst="line">
+              <a:avLst/>
+            </a:prstGeom>
+            <a:noFill/>
+            <a:ln w="19050" cap="flat" cmpd="sng" algn="ctr">
+              <a:solidFill>
+                <a:schemeClr val="accent2">
+                  <a:lumMod val="20000"/>
+                  <a:lumOff val="80000"/>
+                </a:schemeClr>
+              </a:solidFill>
+              <a:prstDash val="solid"/>
+            </a:ln>
+            <a:effectLst/>
+          </p:spPr>
+        </p:cxnSp>
         <p:grpSp>
           <p:nvGrpSpPr>
-            <p:cNvPr id="31" name="组合 30">
+            <p:cNvPr id="24" name="组合 23">
               <a:extLst>
                 <a:ext uri="{FF2B5EF4-FFF2-40B4-BE49-F238E27FC236}">
-                  <a16:creationId xmlns:a16="http://schemas.microsoft.com/office/drawing/2014/main" id="{7C268D49-5419-4FCE-AD53-04A764ED8703}"/>
+                  <a16:creationId xmlns:a16="http://schemas.microsoft.com/office/drawing/2014/main" id="{8A831C70-23AA-498E-8951-145DE2D69C38}"/>
                 </a:ext>
               </a:extLst>
             </p:cNvPr>
@@ -5402,126 +5474,18 @@
           </p:nvGrpSpPr>
           <p:grpSpPr>
             <a:xfrm>
-              <a:off x="2861283" y="1952625"/>
-              <a:ext cx="8473629" cy="2468990"/>
-              <a:chOff x="2861283" y="1952625"/>
-              <a:chExt cx="8473629" cy="2468990"/>
+              <a:off x="763479" y="674702"/>
+              <a:ext cx="8416031" cy="3269202"/>
+              <a:chOff x="763479" y="674702"/>
+              <a:chExt cx="8416031" cy="3269202"/>
             </a:xfrm>
           </p:grpSpPr>
-          <p:pic>
-            <p:nvPicPr>
-              <p:cNvPr id="33" name="图片 32">
+          <p:grpSp>
+            <p:nvGrpSpPr>
+              <p:cNvPr id="23" name="组合 22">
                 <a:extLst>
                   <a:ext uri="{FF2B5EF4-FFF2-40B4-BE49-F238E27FC236}">
-                    <a16:creationId xmlns:a16="http://schemas.microsoft.com/office/drawing/2014/main" id="{8C171A6E-4285-42C7-9D93-6BC53D88F240}"/>
-                  </a:ext>
-                </a:extLst>
-              </p:cNvPr>
-              <p:cNvPicPr>
-                <a:picLocks noChangeAspect="1"/>
-              </p:cNvPicPr>
-              <p:nvPr/>
-            </p:nvPicPr>
-            <p:blipFill>
-              <a:blip r:embed="rId2" cstate="print">
-                <a:extLst>
-                  <a:ext uri="{28A0092B-C50C-407E-A947-70E740481C1C}">
-                    <a14:useLocalDpi xmlns:a14="http://schemas.microsoft.com/office/drawing/2010/main" val="0"/>
-                  </a:ext>
-                </a:extLst>
-              </a:blip>
-              <a:stretch>
-                <a:fillRect/>
-              </a:stretch>
-            </p:blipFill>
-            <p:spPr>
-              <a:xfrm>
-                <a:off x="10802273" y="2734620"/>
-                <a:ext cx="522596" cy="522596"/>
-              </a:xfrm>
-              <a:prstGeom prst="rect">
-                <a:avLst/>
-              </a:prstGeom>
-            </p:spPr>
-          </p:pic>
-          <p:pic>
-            <p:nvPicPr>
-              <p:cNvPr id="34" name="图片 33">
-                <a:extLst>
-                  <a:ext uri="{FF2B5EF4-FFF2-40B4-BE49-F238E27FC236}">
-                    <a16:creationId xmlns:a16="http://schemas.microsoft.com/office/drawing/2014/main" id="{A76135A0-F870-4640-9F94-5795EF8885D0}"/>
-                  </a:ext>
-                </a:extLst>
-              </p:cNvPr>
-              <p:cNvPicPr>
-                <a:picLocks noChangeAspect="1"/>
-              </p:cNvPicPr>
-              <p:nvPr/>
-            </p:nvPicPr>
-            <p:blipFill>
-              <a:blip r:embed="rId3" cstate="print">
-                <a:extLst>
-                  <a:ext uri="{28A0092B-C50C-407E-A947-70E740481C1C}">
-                    <a14:useLocalDpi xmlns:a14="http://schemas.microsoft.com/office/drawing/2010/main" val="0"/>
-                  </a:ext>
-                </a:extLst>
-              </a:blip>
-              <a:stretch>
-                <a:fillRect/>
-              </a:stretch>
-            </p:blipFill>
-            <p:spPr>
-              <a:xfrm>
-                <a:off x="3374318" y="2630596"/>
-                <a:ext cx="535717" cy="535717"/>
-              </a:xfrm>
-              <a:prstGeom prst="rect">
-                <a:avLst/>
-              </a:prstGeom>
-            </p:spPr>
-          </p:pic>
-          <p:pic>
-            <p:nvPicPr>
-              <p:cNvPr id="35" name="图片 34">
-                <a:extLst>
-                  <a:ext uri="{FF2B5EF4-FFF2-40B4-BE49-F238E27FC236}">
-                    <a16:creationId xmlns:a16="http://schemas.microsoft.com/office/drawing/2014/main" id="{37196336-E668-440D-BA07-CC4F7506C18B}"/>
-                  </a:ext>
-                </a:extLst>
-              </p:cNvPr>
-              <p:cNvPicPr>
-                <a:picLocks noChangeAspect="1"/>
-              </p:cNvPicPr>
-              <p:nvPr/>
-            </p:nvPicPr>
-            <p:blipFill>
-              <a:blip r:embed="rId4" cstate="print">
-                <a:extLst>
-                  <a:ext uri="{28A0092B-C50C-407E-A947-70E740481C1C}">
-                    <a14:useLocalDpi xmlns:a14="http://schemas.microsoft.com/office/drawing/2010/main" val="0"/>
-                  </a:ext>
-                </a:extLst>
-              </a:blip>
-              <a:stretch>
-                <a:fillRect/>
-              </a:stretch>
-            </p:blipFill>
-            <p:spPr>
-              <a:xfrm>
-                <a:off x="6547985" y="3879530"/>
-                <a:ext cx="542085" cy="542085"/>
-              </a:xfrm>
-              <a:prstGeom prst="rect">
-                <a:avLst/>
-              </a:prstGeom>
-            </p:spPr>
-          </p:pic>
-          <p:grpSp>
-            <p:nvGrpSpPr>
-              <p:cNvPr id="36" name="组合 35">
-                <a:extLst>
-                  <a:ext uri="{FF2B5EF4-FFF2-40B4-BE49-F238E27FC236}">
-                    <a16:creationId xmlns:a16="http://schemas.microsoft.com/office/drawing/2014/main" id="{29DEB1B6-54C6-40D7-8B92-C1649F649006}"/>
+                    <a16:creationId xmlns:a16="http://schemas.microsoft.com/office/drawing/2014/main" id="{590A0B64-F93D-40E9-9E59-15B96EA8000F}"/>
                   </a:ext>
                 </a:extLst>
               </p:cNvPr>
@@ -5530,18 +5494,18 @@
             </p:nvGrpSpPr>
             <p:grpSpPr>
               <a:xfrm>
-                <a:off x="2861283" y="1952625"/>
-                <a:ext cx="8473629" cy="2445585"/>
-                <a:chOff x="2861283" y="1952625"/>
-                <a:chExt cx="8473629" cy="2445585"/>
+                <a:off x="763479" y="674702"/>
+                <a:ext cx="8416031" cy="3269202"/>
+                <a:chOff x="763479" y="674702"/>
+                <a:chExt cx="8416031" cy="3269202"/>
               </a:xfrm>
             </p:grpSpPr>
             <p:grpSp>
               <p:nvGrpSpPr>
-                <p:cNvPr id="37" name="组合 36">
+                <p:cNvPr id="3" name="组合 2">
                   <a:extLst>
                     <a:ext uri="{FF2B5EF4-FFF2-40B4-BE49-F238E27FC236}">
-                      <a16:creationId xmlns:a16="http://schemas.microsoft.com/office/drawing/2014/main" id="{ECFFF37E-2C06-47BB-860E-646FF30F85EC}"/>
+                      <a16:creationId xmlns:a16="http://schemas.microsoft.com/office/drawing/2014/main" id="{0F358213-C841-4B0A-AE1B-1E7D7439EF9C}"/>
                     </a:ext>
                   </a:extLst>
                 </p:cNvPr>
@@ -5550,18 +5514,2014 @@
               </p:nvGrpSpPr>
               <p:grpSpPr>
                 <a:xfrm>
-                  <a:off x="2861283" y="1952625"/>
-                  <a:ext cx="8473629" cy="2445585"/>
-                  <a:chOff x="2861284" y="2521516"/>
-                  <a:chExt cx="7501916" cy="1876693"/>
+                  <a:off x="763479" y="674702"/>
+                  <a:ext cx="8416031" cy="3269202"/>
+                  <a:chOff x="816746" y="1635710"/>
+                  <a:chExt cx="8975324" cy="3586579"/>
                 </a:xfrm>
               </p:grpSpPr>
+              <p:grpSp>
+                <p:nvGrpSpPr>
+                  <p:cNvPr id="30" name="组合 29">
+                    <a:extLst>
+                      <a:ext uri="{FF2B5EF4-FFF2-40B4-BE49-F238E27FC236}">
+                        <a16:creationId xmlns:a16="http://schemas.microsoft.com/office/drawing/2014/main" id="{FCD2AFB2-DFB9-4A92-B0F9-2F7AE9BC1112}"/>
+                      </a:ext>
+                    </a:extLst>
+                  </p:cNvPr>
+                  <p:cNvGrpSpPr/>
+                  <p:nvPr/>
+                </p:nvGrpSpPr>
+                <p:grpSpPr>
+                  <a:xfrm>
+                    <a:off x="996972" y="2014769"/>
+                    <a:ext cx="8473629" cy="2865479"/>
+                    <a:chOff x="2861283" y="1952625"/>
+                    <a:chExt cx="8473629" cy="2865479"/>
+                  </a:xfrm>
+                </p:grpSpPr>
+                <p:grpSp>
+                  <p:nvGrpSpPr>
+                    <p:cNvPr id="31" name="组合 30">
+                      <a:extLst>
+                        <a:ext uri="{FF2B5EF4-FFF2-40B4-BE49-F238E27FC236}">
+                          <a16:creationId xmlns:a16="http://schemas.microsoft.com/office/drawing/2014/main" id="{7C268D49-5419-4FCE-AD53-04A764ED8703}"/>
+                        </a:ext>
+                      </a:extLst>
+                    </p:cNvPr>
+                    <p:cNvGrpSpPr/>
+                    <p:nvPr/>
+                  </p:nvGrpSpPr>
+                  <p:grpSpPr>
+                    <a:xfrm>
+                      <a:off x="2861283" y="1952625"/>
+                      <a:ext cx="8473629" cy="2865479"/>
+                      <a:chOff x="2861283" y="1952625"/>
+                      <a:chExt cx="8473629" cy="2865479"/>
+                    </a:xfrm>
+                  </p:grpSpPr>
+                  <p:pic>
+                    <p:nvPicPr>
+                      <p:cNvPr id="33" name="图片 32">
+                        <a:extLst>
+                          <a:ext uri="{FF2B5EF4-FFF2-40B4-BE49-F238E27FC236}">
+                            <a16:creationId xmlns:a16="http://schemas.microsoft.com/office/drawing/2014/main" id="{8C171A6E-4285-42C7-9D93-6BC53D88F240}"/>
+                          </a:ext>
+                        </a:extLst>
+                      </p:cNvPr>
+                      <p:cNvPicPr>
+                        <a:picLocks noChangeAspect="1"/>
+                      </p:cNvPicPr>
+                      <p:nvPr/>
+                    </p:nvPicPr>
+                    <p:blipFill>
+                      <a:blip r:embed="rId2" cstate="print">
+                        <a:extLst>
+                          <a:ext uri="{28A0092B-C50C-407E-A947-70E740481C1C}">
+                            <a14:useLocalDpi xmlns:a14="http://schemas.microsoft.com/office/drawing/2010/main" val="0"/>
+                          </a:ext>
+                        </a:extLst>
+                      </a:blip>
+                      <a:stretch>
+                        <a:fillRect/>
+                      </a:stretch>
+                    </p:blipFill>
+                    <p:spPr>
+                      <a:xfrm>
+                        <a:off x="10802273" y="2734620"/>
+                        <a:ext cx="522596" cy="522596"/>
+                      </a:xfrm>
+                      <a:prstGeom prst="rect">
+                        <a:avLst/>
+                      </a:prstGeom>
+                    </p:spPr>
+                  </p:pic>
+                  <p:pic>
+                    <p:nvPicPr>
+                      <p:cNvPr id="34" name="图片 33">
+                        <a:extLst>
+                          <a:ext uri="{FF2B5EF4-FFF2-40B4-BE49-F238E27FC236}">
+                            <a16:creationId xmlns:a16="http://schemas.microsoft.com/office/drawing/2014/main" id="{A76135A0-F870-4640-9F94-5795EF8885D0}"/>
+                          </a:ext>
+                        </a:extLst>
+                      </p:cNvPr>
+                      <p:cNvPicPr>
+                        <a:picLocks noChangeAspect="1"/>
+                      </p:cNvPicPr>
+                      <p:nvPr/>
+                    </p:nvPicPr>
+                    <p:blipFill>
+                      <a:blip r:embed="rId3" cstate="print">
+                        <a:extLst>
+                          <a:ext uri="{28A0092B-C50C-407E-A947-70E740481C1C}">
+                            <a14:useLocalDpi xmlns:a14="http://schemas.microsoft.com/office/drawing/2010/main" val="0"/>
+                          </a:ext>
+                        </a:extLst>
+                      </a:blip>
+                      <a:stretch>
+                        <a:fillRect/>
+                      </a:stretch>
+                    </p:blipFill>
+                    <p:spPr>
+                      <a:xfrm>
+                        <a:off x="3374318" y="2630596"/>
+                        <a:ext cx="535717" cy="535717"/>
+                      </a:xfrm>
+                      <a:prstGeom prst="rect">
+                        <a:avLst/>
+                      </a:prstGeom>
+                    </p:spPr>
+                  </p:pic>
+                  <p:pic>
+                    <p:nvPicPr>
+                      <p:cNvPr id="35" name="图片 34">
+                        <a:extLst>
+                          <a:ext uri="{FF2B5EF4-FFF2-40B4-BE49-F238E27FC236}">
+                            <a16:creationId xmlns:a16="http://schemas.microsoft.com/office/drawing/2014/main" id="{37196336-E668-440D-BA07-CC4F7506C18B}"/>
+                          </a:ext>
+                        </a:extLst>
+                      </p:cNvPr>
+                      <p:cNvPicPr>
+                        <a:picLocks noChangeAspect="1"/>
+                      </p:cNvPicPr>
+                      <p:nvPr/>
+                    </p:nvPicPr>
+                    <p:blipFill>
+                      <a:blip r:embed="rId4" cstate="print">
+                        <a:extLst>
+                          <a:ext uri="{28A0092B-C50C-407E-A947-70E740481C1C}">
+                            <a14:useLocalDpi xmlns:a14="http://schemas.microsoft.com/office/drawing/2010/main" val="0"/>
+                          </a:ext>
+                        </a:extLst>
+                      </a:blip>
+                      <a:stretch>
+                        <a:fillRect/>
+                      </a:stretch>
+                    </p:blipFill>
+                    <p:spPr>
+                      <a:xfrm>
+                        <a:off x="6547985" y="3879530"/>
+                        <a:ext cx="542085" cy="542085"/>
+                      </a:xfrm>
+                      <a:prstGeom prst="rect">
+                        <a:avLst/>
+                      </a:prstGeom>
+                    </p:spPr>
+                  </p:pic>
+                  <p:grpSp>
+                    <p:nvGrpSpPr>
+                      <p:cNvPr id="36" name="组合 35">
+                        <a:extLst>
+                          <a:ext uri="{FF2B5EF4-FFF2-40B4-BE49-F238E27FC236}">
+                            <a16:creationId xmlns:a16="http://schemas.microsoft.com/office/drawing/2014/main" id="{29DEB1B6-54C6-40D7-8B92-C1649F649006}"/>
+                          </a:ext>
+                        </a:extLst>
+                      </p:cNvPr>
+                      <p:cNvGrpSpPr/>
+                      <p:nvPr/>
+                    </p:nvGrpSpPr>
+                    <p:grpSpPr>
+                      <a:xfrm>
+                        <a:off x="2861283" y="1952625"/>
+                        <a:ext cx="8473629" cy="2865479"/>
+                        <a:chOff x="2861283" y="1952625"/>
+                        <a:chExt cx="8473629" cy="2865479"/>
+                      </a:xfrm>
+                    </p:grpSpPr>
+                    <p:grpSp>
+                      <p:nvGrpSpPr>
+                        <p:cNvPr id="37" name="组合 36">
+                          <a:extLst>
+                            <a:ext uri="{FF2B5EF4-FFF2-40B4-BE49-F238E27FC236}">
+                              <a16:creationId xmlns:a16="http://schemas.microsoft.com/office/drawing/2014/main" id="{ECFFF37E-2C06-47BB-860E-646FF30F85EC}"/>
+                            </a:ext>
+                          </a:extLst>
+                        </p:cNvPr>
+                        <p:cNvGrpSpPr/>
+                        <p:nvPr/>
+                      </p:nvGrpSpPr>
+                      <p:grpSpPr>
+                        <a:xfrm>
+                          <a:off x="2861283" y="1952625"/>
+                          <a:ext cx="8473629" cy="2865479"/>
+                          <a:chOff x="2861284" y="2521516"/>
+                          <a:chExt cx="7501916" cy="2198911"/>
+                        </a:xfrm>
+                      </p:grpSpPr>
+                      <p:sp>
+                        <p:nvSpPr>
+                          <p:cNvPr id="40" name="圆角矩形 3">
+                            <a:extLst>
+                              <a:ext uri="{FF2B5EF4-FFF2-40B4-BE49-F238E27FC236}">
+                                <a16:creationId xmlns:a16="http://schemas.microsoft.com/office/drawing/2014/main" id="{9125A545-B7F2-4B01-97AB-15B9663E39F5}"/>
+                              </a:ext>
+                            </a:extLst>
+                          </p:cNvPr>
+                          <p:cNvSpPr/>
+                          <p:nvPr/>
+                        </p:nvSpPr>
+                        <p:spPr>
+                          <a:xfrm>
+                            <a:off x="4547137" y="3621101"/>
+                            <a:ext cx="889686" cy="248167"/>
+                          </a:xfrm>
+                          <a:prstGeom prst="roundRect">
+                            <a:avLst/>
+                          </a:prstGeom>
+                          <a:gradFill rotWithShape="1">
+                            <a:gsLst>
+                              <a:gs pos="0">
+                                <a:srgbClr val="54BCDF">
+                                  <a:tint val="94000"/>
+                                  <a:satMod val="105000"/>
+                                  <a:lumMod val="102000"/>
+                                </a:srgbClr>
+                              </a:gs>
+                              <a:gs pos="100000">
+                                <a:srgbClr val="54BCDF">
+                                  <a:shade val="74000"/>
+                                  <a:satMod val="128000"/>
+                                  <a:lumMod val="100000"/>
+                                </a:srgbClr>
+                              </a:gs>
+                            </a:gsLst>
+                            <a:lin ang="5400000" scaled="0"/>
+                          </a:gradFill>
+                          <a:ln>
+                            <a:noFill/>
+                          </a:ln>
+                          <a:effectLst>
+                            <a:outerShdw blurRad="57150" dist="19050" dir="5400000" algn="ctr" rotWithShape="0">
+                              <a:srgbClr val="000000">
+                                <a:alpha val="63000"/>
+                              </a:srgbClr>
+                            </a:outerShdw>
+                          </a:effectLst>
+                        </p:spPr>
+                        <p:txBody>
+                          <a:bodyPr rtlCol="0" anchor="ctr"/>
+                          <a:lstStyle/>
+                          <a:p>
+                            <a:pPr marL="0" marR="0" lvl="0" indent="0" algn="ctr" defTabSz="914400" eaLnBrk="1" fontAlgn="auto" latinLnBrk="0" hangingPunct="1">
+                              <a:lnSpc>
+                                <a:spcPct val="100000"/>
+                              </a:lnSpc>
+                              <a:spcBef>
+                                <a:spcPts val="0"/>
+                              </a:spcBef>
+                              <a:spcAft>
+                                <a:spcPts val="0"/>
+                              </a:spcAft>
+                              <a:buClrTx/>
+                              <a:buSzTx/>
+                              <a:buFontTx/>
+                              <a:buNone/>
+                              <a:tabLst/>
+                              <a:defRPr/>
+                            </a:pPr>
+                            <a:r>
+                              <a:rPr kumimoji="0" lang="zh-CN" altLang="en-US" sz="1200" b="1" i="0" u="none" strike="noStrike" kern="0" cap="none" spc="0" normalizeH="0" baseline="0" noProof="0">
+                                <a:ln>
+                                  <a:noFill/>
+                                </a:ln>
+                                <a:solidFill>
+                                  <a:prstClr val="white"/>
+                                </a:solidFill>
+                                <a:effectLst/>
+                                <a:uLnTx/>
+                                <a:uFillTx/>
+                                <a:latin typeface="微软雅黑" panose="020B0503020204020204" pitchFamily="34" charset="-122"/>
+                                <a:ea typeface="微软雅黑" panose="020B0503020204020204" pitchFamily="34" charset="-122"/>
+                                <a:cs typeface="+mn-cs"/>
+                              </a:rPr>
+                              <a:t>二进制</a:t>
+                            </a:r>
+                          </a:p>
+                        </p:txBody>
+                      </p:sp>
+                      <p:sp>
+                        <p:nvSpPr>
+                          <p:cNvPr id="41" name="圆角矩形 4">
+                            <a:extLst>
+                              <a:ext uri="{FF2B5EF4-FFF2-40B4-BE49-F238E27FC236}">
+                                <a16:creationId xmlns:a16="http://schemas.microsoft.com/office/drawing/2014/main" id="{4BC7E310-CE13-4CCB-8A42-6CD2770B2EAF}"/>
+                              </a:ext>
+                            </a:extLst>
+                          </p:cNvPr>
+                          <p:cNvSpPr/>
+                          <p:nvPr/>
+                        </p:nvSpPr>
+                        <p:spPr>
+                          <a:xfrm>
+                            <a:off x="6909848" y="4469431"/>
+                            <a:ext cx="1224109" cy="250996"/>
+                          </a:xfrm>
+                          <a:prstGeom prst="roundRect">
+                            <a:avLst/>
+                          </a:prstGeom>
+                          <a:gradFill rotWithShape="1">
+                            <a:gsLst>
+                              <a:gs pos="0">
+                                <a:srgbClr val="84C350">
+                                  <a:tint val="94000"/>
+                                  <a:satMod val="105000"/>
+                                  <a:lumMod val="102000"/>
+                                </a:srgbClr>
+                              </a:gs>
+                              <a:gs pos="100000">
+                                <a:srgbClr val="84C350">
+                                  <a:shade val="74000"/>
+                                  <a:satMod val="128000"/>
+                                  <a:lumMod val="100000"/>
+                                </a:srgbClr>
+                              </a:gs>
+                            </a:gsLst>
+                            <a:lin ang="5400000" scaled="0"/>
+                          </a:gradFill>
+                          <a:ln>
+                            <a:noFill/>
+                          </a:ln>
+                          <a:effectLst>
+                            <a:outerShdw blurRad="57150" dist="19050" dir="5400000" algn="ctr" rotWithShape="0">
+                              <a:srgbClr val="000000">
+                                <a:alpha val="63000"/>
+                              </a:srgbClr>
+                            </a:outerShdw>
+                          </a:effectLst>
+                        </p:spPr>
+                        <p:txBody>
+                          <a:bodyPr rtlCol="0" anchor="ctr"/>
+                          <a:lstStyle/>
+                          <a:p>
+                            <a:pPr marL="0" marR="0" lvl="0" indent="0" algn="ctr" defTabSz="914400" eaLnBrk="1" fontAlgn="auto" latinLnBrk="0" hangingPunct="1">
+                              <a:lnSpc>
+                                <a:spcPct val="100000"/>
+                              </a:lnSpc>
+                              <a:spcBef>
+                                <a:spcPts val="0"/>
+                              </a:spcBef>
+                              <a:spcAft>
+                                <a:spcPts val="0"/>
+                              </a:spcAft>
+                              <a:buClrTx/>
+                              <a:buSzTx/>
+                              <a:buFontTx/>
+                              <a:buNone/>
+                              <a:tabLst/>
+                              <a:defRPr/>
+                            </a:pPr>
+                            <a:r>
+                              <a:rPr kumimoji="0" lang="en-US" altLang="zh-CN" sz="1200" b="1" i="0" u="none" strike="noStrike" kern="0" cap="none" spc="0" normalizeH="0" baseline="0" noProof="0" dirty="0">
+                                <a:ln>
+                                  <a:noFill/>
+                                </a:ln>
+                                <a:solidFill>
+                                  <a:prstClr val="white"/>
+                                </a:solidFill>
+                                <a:effectLst/>
+                                <a:uLnTx/>
+                                <a:uFillTx/>
+                                <a:latin typeface="微软雅黑" panose="020B0503020204020204" pitchFamily="34" charset="-122"/>
+                                <a:ea typeface="微软雅黑" panose="020B0503020204020204" pitchFamily="34" charset="-122"/>
+                                <a:cs typeface="+mn-cs"/>
+                              </a:rPr>
+                              <a:t>ISO 21434</a:t>
+                            </a:r>
+                            <a:endParaRPr kumimoji="0" lang="zh-CN" altLang="en-US" sz="1200" b="1" i="0" u="none" strike="noStrike" kern="0" cap="none" spc="0" normalizeH="0" baseline="0" noProof="0" dirty="0">
+                              <a:ln>
+                                <a:noFill/>
+                              </a:ln>
+                              <a:solidFill>
+                                <a:prstClr val="white"/>
+                              </a:solidFill>
+                              <a:effectLst/>
+                              <a:uLnTx/>
+                              <a:uFillTx/>
+                              <a:latin typeface="微软雅黑" panose="020B0503020204020204" pitchFamily="34" charset="-122"/>
+                              <a:ea typeface="微软雅黑" panose="020B0503020204020204" pitchFamily="34" charset="-122"/>
+                              <a:cs typeface="+mn-cs"/>
+                            </a:endParaRPr>
+                          </a:p>
+                        </p:txBody>
+                      </p:sp>
+                      <p:sp>
+                        <p:nvSpPr>
+                          <p:cNvPr id="42" name="圆角矩形 7">
+                            <a:extLst>
+                              <a:ext uri="{FF2B5EF4-FFF2-40B4-BE49-F238E27FC236}">
+                                <a16:creationId xmlns:a16="http://schemas.microsoft.com/office/drawing/2014/main" id="{F4CC1315-4814-4636-8204-17234083D97F}"/>
+                              </a:ext>
+                            </a:extLst>
+                          </p:cNvPr>
+                          <p:cNvSpPr/>
+                          <p:nvPr/>
+                        </p:nvSpPr>
+                        <p:spPr>
+                          <a:xfrm>
+                            <a:off x="7587792" y="4021804"/>
+                            <a:ext cx="788108" cy="248168"/>
+                          </a:xfrm>
+                          <a:prstGeom prst="roundRect">
+                            <a:avLst/>
+                          </a:prstGeom>
+                          <a:gradFill rotWithShape="1">
+                            <a:gsLst>
+                              <a:gs pos="0">
+                                <a:srgbClr val="84C350">
+                                  <a:tint val="94000"/>
+                                  <a:satMod val="105000"/>
+                                  <a:lumMod val="102000"/>
+                                </a:srgbClr>
+                              </a:gs>
+                              <a:gs pos="100000">
+                                <a:srgbClr val="84C350">
+                                  <a:shade val="74000"/>
+                                  <a:satMod val="128000"/>
+                                  <a:lumMod val="100000"/>
+                                </a:srgbClr>
+                              </a:gs>
+                            </a:gsLst>
+                            <a:lin ang="5400000" scaled="0"/>
+                          </a:gradFill>
+                          <a:ln>
+                            <a:noFill/>
+                          </a:ln>
+                          <a:effectLst>
+                            <a:outerShdw blurRad="57150" dist="19050" dir="5400000" algn="ctr" rotWithShape="0">
+                              <a:srgbClr val="000000">
+                                <a:alpha val="63000"/>
+                              </a:srgbClr>
+                            </a:outerShdw>
+                          </a:effectLst>
+                        </p:spPr>
+                        <p:txBody>
+                          <a:bodyPr rtlCol="0" anchor="ctr"/>
+                          <a:lstStyle/>
+                          <a:p>
+                            <a:pPr marL="0" marR="0" lvl="0" indent="0" algn="ctr" defTabSz="914400" eaLnBrk="1" fontAlgn="auto" latinLnBrk="0" hangingPunct="1">
+                              <a:lnSpc>
+                                <a:spcPct val="100000"/>
+                              </a:lnSpc>
+                              <a:spcBef>
+                                <a:spcPts val="0"/>
+                              </a:spcBef>
+                              <a:spcAft>
+                                <a:spcPts val="0"/>
+                              </a:spcAft>
+                              <a:buClrTx/>
+                              <a:buSzTx/>
+                              <a:buFontTx/>
+                              <a:buNone/>
+                              <a:tabLst/>
+                              <a:defRPr/>
+                            </a:pPr>
+                            <a:r>
+                              <a:rPr kumimoji="0" lang="en-US" altLang="zh-CN" sz="1200" b="1" i="0" u="none" strike="noStrike" kern="0" cap="none" spc="0" normalizeH="0" baseline="0" noProof="0" dirty="0">
+                                <a:ln>
+                                  <a:noFill/>
+                                </a:ln>
+                                <a:solidFill>
+                                  <a:prstClr val="white"/>
+                                </a:solidFill>
+                                <a:effectLst/>
+                                <a:uLnTx/>
+                                <a:uFillTx/>
+                                <a:latin typeface="微软雅黑" panose="020B0503020204020204" pitchFamily="34" charset="-122"/>
+                                <a:ea typeface="微软雅黑" panose="020B0503020204020204" pitchFamily="34" charset="-122"/>
+                                <a:cs typeface="+mn-cs"/>
+                              </a:rPr>
+                              <a:t>WP 29</a:t>
+                            </a:r>
+                            <a:endParaRPr kumimoji="0" lang="zh-CN" altLang="en-US" sz="1200" b="1" i="0" u="none" strike="noStrike" kern="0" cap="none" spc="0" normalizeH="0" baseline="0" noProof="0" dirty="0">
+                              <a:ln>
+                                <a:noFill/>
+                              </a:ln>
+                              <a:solidFill>
+                                <a:prstClr val="white"/>
+                              </a:solidFill>
+                              <a:effectLst/>
+                              <a:uLnTx/>
+                              <a:uFillTx/>
+                              <a:latin typeface="微软雅黑" panose="020B0503020204020204" pitchFamily="34" charset="-122"/>
+                              <a:ea typeface="微软雅黑" panose="020B0503020204020204" pitchFamily="34" charset="-122"/>
+                              <a:cs typeface="+mn-cs"/>
+                            </a:endParaRPr>
+                          </a:p>
+                        </p:txBody>
+                      </p:sp>
+                      <p:sp>
+                        <p:nvSpPr>
+                          <p:cNvPr id="43" name="圆角矩形 8">
+                            <a:extLst>
+                              <a:ext uri="{FF2B5EF4-FFF2-40B4-BE49-F238E27FC236}">
+                                <a16:creationId xmlns:a16="http://schemas.microsoft.com/office/drawing/2014/main" id="{CC7966A0-826C-4D8A-BDF7-2A29CD75A8A8}"/>
+                              </a:ext>
+                            </a:extLst>
+                          </p:cNvPr>
+                          <p:cNvSpPr/>
+                          <p:nvPr/>
+                        </p:nvSpPr>
+                        <p:spPr>
+                          <a:xfrm>
+                            <a:off x="8656601" y="4110622"/>
+                            <a:ext cx="788108" cy="249271"/>
+                          </a:xfrm>
+                          <a:prstGeom prst="roundRect">
+                            <a:avLst/>
+                          </a:prstGeom>
+                          <a:gradFill rotWithShape="1">
+                            <a:gsLst>
+                              <a:gs pos="0">
+                                <a:srgbClr val="84C350">
+                                  <a:tint val="94000"/>
+                                  <a:satMod val="105000"/>
+                                  <a:lumMod val="102000"/>
+                                </a:srgbClr>
+                              </a:gs>
+                              <a:gs pos="100000">
+                                <a:srgbClr val="84C350">
+                                  <a:shade val="74000"/>
+                                  <a:satMod val="128000"/>
+                                  <a:lumMod val="100000"/>
+                                </a:srgbClr>
+                              </a:gs>
+                            </a:gsLst>
+                            <a:lin ang="5400000" scaled="0"/>
+                          </a:gradFill>
+                          <a:ln>
+                            <a:noFill/>
+                          </a:ln>
+                          <a:effectLst>
+                            <a:outerShdw blurRad="57150" dist="19050" dir="5400000" algn="ctr" rotWithShape="0">
+                              <a:srgbClr val="000000">
+                                <a:alpha val="63000"/>
+                              </a:srgbClr>
+                            </a:outerShdw>
+                          </a:effectLst>
+                        </p:spPr>
+                        <p:txBody>
+                          <a:bodyPr rtlCol="0" anchor="ctr"/>
+                          <a:lstStyle/>
+                          <a:p>
+                            <a:pPr marL="0" marR="0" lvl="0" indent="0" algn="ctr" defTabSz="914400" eaLnBrk="1" fontAlgn="auto" latinLnBrk="0" hangingPunct="1">
+                              <a:lnSpc>
+                                <a:spcPct val="100000"/>
+                              </a:lnSpc>
+                              <a:spcBef>
+                                <a:spcPts val="0"/>
+                              </a:spcBef>
+                              <a:spcAft>
+                                <a:spcPts val="0"/>
+                              </a:spcAft>
+                              <a:buClrTx/>
+                              <a:buSzTx/>
+                              <a:buFontTx/>
+                              <a:buNone/>
+                              <a:tabLst/>
+                              <a:defRPr/>
+                            </a:pPr>
+                            <a:r>
+                              <a:rPr kumimoji="0" lang="en-US" altLang="zh-CN" sz="1200" b="1" i="0" u="none" strike="noStrike" kern="0" cap="none" spc="0" normalizeH="0" baseline="0" noProof="0" dirty="0">
+                                <a:ln>
+                                  <a:noFill/>
+                                </a:ln>
+                                <a:solidFill>
+                                  <a:prstClr val="white"/>
+                                </a:solidFill>
+                                <a:effectLst/>
+                                <a:uLnTx/>
+                                <a:uFillTx/>
+                                <a:latin typeface="微软雅黑" panose="020B0503020204020204" pitchFamily="34" charset="-122"/>
+                                <a:ea typeface="微软雅黑" panose="020B0503020204020204" pitchFamily="34" charset="-122"/>
+                                <a:cs typeface="+mn-cs"/>
+                              </a:rPr>
+                              <a:t>GDPR</a:t>
+                            </a:r>
+                            <a:endParaRPr kumimoji="0" lang="zh-CN" altLang="en-US" sz="1200" b="1" i="0" u="none" strike="noStrike" kern="0" cap="none" spc="0" normalizeH="0" baseline="0" noProof="0" dirty="0">
+                              <a:ln>
+                                <a:noFill/>
+                              </a:ln>
+                              <a:solidFill>
+                                <a:prstClr val="white"/>
+                              </a:solidFill>
+                              <a:effectLst/>
+                              <a:uLnTx/>
+                              <a:uFillTx/>
+                              <a:latin typeface="微软雅黑" panose="020B0503020204020204" pitchFamily="34" charset="-122"/>
+                              <a:ea typeface="微软雅黑" panose="020B0503020204020204" pitchFamily="34" charset="-122"/>
+                              <a:cs typeface="+mn-cs"/>
+                            </a:endParaRPr>
+                          </a:p>
+                        </p:txBody>
+                      </p:sp>
+                      <p:sp>
+                        <p:nvSpPr>
+                          <p:cNvPr id="44" name="圆角矩形 9">
+                            <a:extLst>
+                              <a:ext uri="{FF2B5EF4-FFF2-40B4-BE49-F238E27FC236}">
+                                <a16:creationId xmlns:a16="http://schemas.microsoft.com/office/drawing/2014/main" id="{8362C792-4686-4B01-8FB2-8D44791167B9}"/>
+                              </a:ext>
+                            </a:extLst>
+                          </p:cNvPr>
+                          <p:cNvSpPr/>
+                          <p:nvPr/>
+                        </p:nvSpPr>
+                        <p:spPr>
+                          <a:xfrm>
+                            <a:off x="5007457" y="3112314"/>
+                            <a:ext cx="889686" cy="248167"/>
+                          </a:xfrm>
+                          <a:prstGeom prst="roundRect">
+                            <a:avLst/>
+                          </a:prstGeom>
+                          <a:solidFill>
+                            <a:srgbClr val="FF9933"/>
+                          </a:solidFill>
+                          <a:ln>
+                            <a:noFill/>
+                          </a:ln>
+                          <a:effectLst>
+                            <a:outerShdw blurRad="57150" dist="19050" dir="5400000" algn="ctr" rotWithShape="0">
+                              <a:srgbClr val="000000">
+                                <a:alpha val="63000"/>
+                              </a:srgbClr>
+                            </a:outerShdw>
+                          </a:effectLst>
+                        </p:spPr>
+                        <p:txBody>
+                          <a:bodyPr rtlCol="0" anchor="ctr"/>
+                          <a:lstStyle/>
+                          <a:p>
+                            <a:pPr marL="0" marR="0" lvl="0" indent="0" algn="ctr" defTabSz="914400" eaLnBrk="1" fontAlgn="auto" latinLnBrk="0" hangingPunct="1">
+                              <a:lnSpc>
+                                <a:spcPct val="100000"/>
+                              </a:lnSpc>
+                              <a:spcBef>
+                                <a:spcPts val="0"/>
+                              </a:spcBef>
+                              <a:spcAft>
+                                <a:spcPts val="0"/>
+                              </a:spcAft>
+                              <a:buClrTx/>
+                              <a:buSzTx/>
+                              <a:buFontTx/>
+                              <a:buNone/>
+                              <a:tabLst/>
+                              <a:defRPr/>
+                            </a:pPr>
+                            <a:r>
+                              <a:rPr kumimoji="0" lang="zh-CN" altLang="en-US" sz="1400" b="1" i="0" u="none" strike="noStrike" kern="0" cap="none" spc="0" normalizeH="0" baseline="0" noProof="0">
+                                <a:ln>
+                                  <a:noFill/>
+                                </a:ln>
+                                <a:solidFill>
+                                  <a:prstClr val="white"/>
+                                </a:solidFill>
+                                <a:effectLst/>
+                                <a:uLnTx/>
+                                <a:uFillTx/>
+                                <a:latin typeface="微软雅黑" panose="020B0503020204020204" pitchFamily="34" charset="-122"/>
+                                <a:ea typeface="微软雅黑" panose="020B0503020204020204" pitchFamily="34" charset="-122"/>
+                                <a:cs typeface="+mn-cs"/>
+                              </a:rPr>
+                              <a:t>逆向</a:t>
+                            </a:r>
+                          </a:p>
+                        </p:txBody>
+                      </p:sp>
+                      <p:sp>
+                        <p:nvSpPr>
+                          <p:cNvPr id="45" name="圆角矩形 11">
+                            <a:extLst>
+                              <a:ext uri="{FF2B5EF4-FFF2-40B4-BE49-F238E27FC236}">
+                                <a16:creationId xmlns:a16="http://schemas.microsoft.com/office/drawing/2014/main" id="{E9121DEA-D39D-4823-92B3-78D896293958}"/>
+                              </a:ext>
+                            </a:extLst>
+                          </p:cNvPr>
+                          <p:cNvSpPr/>
+                          <p:nvPr/>
+                        </p:nvSpPr>
+                        <p:spPr>
+                          <a:xfrm>
+                            <a:off x="6216608" y="3112313"/>
+                            <a:ext cx="693990" cy="248167"/>
+                          </a:xfrm>
+                          <a:prstGeom prst="roundRect">
+                            <a:avLst/>
+                          </a:prstGeom>
+                          <a:solidFill>
+                            <a:srgbClr val="FF99CC"/>
+                          </a:solidFill>
+                          <a:ln>
+                            <a:noFill/>
+                          </a:ln>
+                          <a:effectLst>
+                            <a:outerShdw blurRad="57150" dist="19050" dir="5400000" algn="ctr" rotWithShape="0">
+                              <a:srgbClr val="000000">
+                                <a:alpha val="63000"/>
+                              </a:srgbClr>
+                            </a:outerShdw>
+                          </a:effectLst>
+                        </p:spPr>
+                        <p:txBody>
+                          <a:bodyPr rtlCol="0" anchor="ctr"/>
+                          <a:lstStyle/>
+                          <a:p>
+                            <a:pPr marL="0" marR="0" lvl="0" indent="0" algn="ctr" defTabSz="914400" eaLnBrk="1" fontAlgn="auto" latinLnBrk="0" hangingPunct="1">
+                              <a:lnSpc>
+                                <a:spcPct val="100000"/>
+                              </a:lnSpc>
+                              <a:spcBef>
+                                <a:spcPts val="0"/>
+                              </a:spcBef>
+                              <a:spcAft>
+                                <a:spcPts val="0"/>
+                              </a:spcAft>
+                              <a:buClrTx/>
+                              <a:buSzTx/>
+                              <a:buFontTx/>
+                              <a:buNone/>
+                              <a:tabLst/>
+                              <a:defRPr/>
+                            </a:pPr>
+                            <a:r>
+                              <a:rPr kumimoji="0" lang="en-US" altLang="zh-CN" sz="1400" b="1" i="0" u="none" strike="noStrike" kern="0" cap="none" spc="0" normalizeH="0" baseline="0" noProof="0" dirty="0">
+                                <a:ln>
+                                  <a:noFill/>
+                                </a:ln>
+                                <a:solidFill>
+                                  <a:prstClr val="white"/>
+                                </a:solidFill>
+                                <a:effectLst/>
+                                <a:uLnTx/>
+                                <a:uFillTx/>
+                                <a:latin typeface="微软雅黑" panose="020B0503020204020204" pitchFamily="34" charset="-122"/>
+                                <a:ea typeface="微软雅黑" panose="020B0503020204020204" pitchFamily="34" charset="-122"/>
+                                <a:cs typeface="+mn-cs"/>
+                              </a:rPr>
+                              <a:t>PWN</a:t>
+                            </a:r>
+                            <a:endParaRPr kumimoji="0" lang="zh-CN" altLang="en-US" sz="1400" b="1" i="0" u="none" strike="noStrike" kern="0" cap="none" spc="0" normalizeH="0" baseline="0" noProof="0" dirty="0">
+                              <a:ln>
+                                <a:noFill/>
+                              </a:ln>
+                              <a:solidFill>
+                                <a:prstClr val="white"/>
+                              </a:solidFill>
+                              <a:effectLst/>
+                              <a:uLnTx/>
+                              <a:uFillTx/>
+                              <a:latin typeface="微软雅黑" panose="020B0503020204020204" pitchFamily="34" charset="-122"/>
+                              <a:ea typeface="微软雅黑" panose="020B0503020204020204" pitchFamily="34" charset="-122"/>
+                              <a:cs typeface="+mn-cs"/>
+                            </a:endParaRPr>
+                          </a:p>
+                        </p:txBody>
+                      </p:sp>
+                      <p:sp>
+                        <p:nvSpPr>
+                          <p:cNvPr id="46" name="圆角矩形 12">
+                            <a:extLst>
+                              <a:ext uri="{FF2B5EF4-FFF2-40B4-BE49-F238E27FC236}">
+                                <a16:creationId xmlns:a16="http://schemas.microsoft.com/office/drawing/2014/main" id="{A6AFA0CE-8A4E-4C9F-9E15-F1F1F912768A}"/>
+                              </a:ext>
+                            </a:extLst>
+                          </p:cNvPr>
+                          <p:cNvSpPr/>
+                          <p:nvPr/>
+                        </p:nvSpPr>
+                        <p:spPr>
+                          <a:xfrm>
+                            <a:off x="7780631" y="3251304"/>
+                            <a:ext cx="889686" cy="248167"/>
+                          </a:xfrm>
+                          <a:prstGeom prst="roundRect">
+                            <a:avLst/>
+                          </a:prstGeom>
+                          <a:gradFill rotWithShape="1">
+                            <a:gsLst>
+                              <a:gs pos="0">
+                                <a:srgbClr val="A262D0">
+                                  <a:tint val="94000"/>
+                                  <a:satMod val="105000"/>
+                                  <a:lumMod val="102000"/>
+                                </a:srgbClr>
+                              </a:gs>
+                              <a:gs pos="100000">
+                                <a:srgbClr val="A262D0">
+                                  <a:shade val="74000"/>
+                                  <a:satMod val="128000"/>
+                                  <a:lumMod val="100000"/>
+                                </a:srgbClr>
+                              </a:gs>
+                            </a:gsLst>
+                            <a:lin ang="5400000" scaled="0"/>
+                          </a:gradFill>
+                          <a:ln>
+                            <a:noFill/>
+                          </a:ln>
+                          <a:effectLst>
+                            <a:outerShdw blurRad="57150" dist="19050" dir="5400000" algn="ctr" rotWithShape="0">
+                              <a:srgbClr val="000000">
+                                <a:alpha val="63000"/>
+                              </a:srgbClr>
+                            </a:outerShdw>
+                          </a:effectLst>
+                        </p:spPr>
+                        <p:txBody>
+                          <a:bodyPr rtlCol="0" anchor="ctr"/>
+                          <a:lstStyle/>
+                          <a:p>
+                            <a:pPr marL="0" marR="0" lvl="0" indent="0" algn="ctr" defTabSz="914400" eaLnBrk="1" fontAlgn="auto" latinLnBrk="0" hangingPunct="1">
+                              <a:lnSpc>
+                                <a:spcPct val="100000"/>
+                              </a:lnSpc>
+                              <a:spcBef>
+                                <a:spcPts val="0"/>
+                              </a:spcBef>
+                              <a:spcAft>
+                                <a:spcPts val="0"/>
+                              </a:spcAft>
+                              <a:buClrTx/>
+                              <a:buSzTx/>
+                              <a:buFontTx/>
+                              <a:buNone/>
+                              <a:tabLst/>
+                              <a:defRPr/>
+                            </a:pPr>
+                            <a:r>
+                              <a:rPr kumimoji="0" lang="en-US" altLang="zh-CN" sz="1200" b="1" i="0" u="none" strike="noStrike" kern="0" cap="none" spc="0" normalizeH="0" baseline="0" noProof="0" dirty="0">
+                                <a:ln>
+                                  <a:noFill/>
+                                </a:ln>
+                                <a:solidFill>
+                                  <a:prstClr val="white"/>
+                                </a:solidFill>
+                                <a:effectLst/>
+                                <a:uLnTx/>
+                                <a:uFillTx/>
+                                <a:latin typeface="微软雅黑" panose="020B0503020204020204" pitchFamily="34" charset="-122"/>
+                                <a:ea typeface="微软雅黑" panose="020B0503020204020204" pitchFamily="34" charset="-122"/>
+                                <a:cs typeface="+mn-cs"/>
+                              </a:rPr>
+                              <a:t>Fuzz</a:t>
+                            </a:r>
+                            <a:endParaRPr kumimoji="0" lang="zh-CN" altLang="en-US" sz="1200" b="1" i="0" u="none" strike="noStrike" kern="0" cap="none" spc="0" normalizeH="0" baseline="0" noProof="0" dirty="0">
+                              <a:ln>
+                                <a:noFill/>
+                              </a:ln>
+                              <a:solidFill>
+                                <a:prstClr val="white"/>
+                              </a:solidFill>
+                              <a:effectLst/>
+                              <a:uLnTx/>
+                              <a:uFillTx/>
+                              <a:latin typeface="微软雅黑" panose="020B0503020204020204" pitchFamily="34" charset="-122"/>
+                              <a:ea typeface="微软雅黑" panose="020B0503020204020204" pitchFamily="34" charset="-122"/>
+                              <a:cs typeface="+mn-cs"/>
+                            </a:endParaRPr>
+                          </a:p>
+                        </p:txBody>
+                      </p:sp>
+                      <p:sp>
+                        <p:nvSpPr>
+                          <p:cNvPr id="47" name="圆角矩形 13">
+                            <a:extLst>
+                              <a:ext uri="{FF2B5EF4-FFF2-40B4-BE49-F238E27FC236}">
+                                <a16:creationId xmlns:a16="http://schemas.microsoft.com/office/drawing/2014/main" id="{EE528CF6-BB0E-4CF3-B0F2-B2DB4BD9299B}"/>
+                              </a:ext>
+                            </a:extLst>
+                          </p:cNvPr>
+                          <p:cNvSpPr/>
+                          <p:nvPr/>
+                        </p:nvSpPr>
+                        <p:spPr>
+                          <a:xfrm>
+                            <a:off x="6605135" y="2766612"/>
+                            <a:ext cx="1528822" cy="248167"/>
+                          </a:xfrm>
+                          <a:prstGeom prst="roundRect">
+                            <a:avLst/>
+                          </a:prstGeom>
+                          <a:solidFill>
+                            <a:srgbClr val="00B0F0"/>
+                          </a:solidFill>
+                          <a:ln>
+                            <a:noFill/>
+                          </a:ln>
+                          <a:effectLst>
+                            <a:outerShdw blurRad="57150" dist="19050" dir="5400000" algn="ctr" rotWithShape="0">
+                              <a:srgbClr val="000000">
+                                <a:alpha val="63000"/>
+                              </a:srgbClr>
+                            </a:outerShdw>
+                          </a:effectLst>
+                        </p:spPr>
+                        <p:txBody>
+                          <a:bodyPr rtlCol="0" anchor="ctr"/>
+                          <a:lstStyle/>
+                          <a:p>
+                            <a:pPr marL="0" marR="0" lvl="0" indent="0" algn="ctr" defTabSz="914400" eaLnBrk="1" fontAlgn="auto" latinLnBrk="0" hangingPunct="1">
+                              <a:lnSpc>
+                                <a:spcPct val="100000"/>
+                              </a:lnSpc>
+                              <a:spcBef>
+                                <a:spcPts val="0"/>
+                              </a:spcBef>
+                              <a:spcAft>
+                                <a:spcPts val="0"/>
+                              </a:spcAft>
+                              <a:buClrTx/>
+                              <a:buSzTx/>
+                              <a:buFontTx/>
+                              <a:buNone/>
+                              <a:tabLst/>
+                              <a:defRPr/>
+                            </a:pPr>
+                            <a:r>
+                              <a:rPr kumimoji="0" lang="en-US" altLang="zh-CN" sz="1200" b="1" i="0" u="none" strike="noStrike" kern="0" cap="none" spc="0" normalizeH="0" baseline="0" noProof="0" dirty="0">
+                                <a:ln>
+                                  <a:noFill/>
+                                </a:ln>
+                                <a:solidFill>
+                                  <a:prstClr val="white"/>
+                                </a:solidFill>
+                                <a:effectLst/>
+                                <a:uLnTx/>
+                                <a:uFillTx/>
+                                <a:latin typeface="微软雅黑" panose="020B0503020204020204" pitchFamily="34" charset="-122"/>
+                                <a:ea typeface="微软雅黑" panose="020B0503020204020204" pitchFamily="34" charset="-122"/>
+                                <a:cs typeface="+mn-cs"/>
+                              </a:rPr>
+                              <a:t>AFL</a:t>
+                            </a:r>
+                            <a:r>
+                              <a:rPr lang="en-US" altLang="zh-CN" sz="1200" b="1" kern="0" dirty="0">
+                                <a:solidFill>
+                                  <a:prstClr val="white"/>
+                                </a:solidFill>
+                                <a:latin typeface="微软雅黑" panose="020B0503020204020204" pitchFamily="34" charset="-122"/>
+                                <a:ea typeface="微软雅黑" panose="020B0503020204020204" pitchFamily="34" charset="-122"/>
+                              </a:rPr>
+                              <a:t>/</a:t>
+                            </a:r>
+                            <a:r>
+                              <a:rPr lang="en-US" altLang="zh-CN" sz="1200" b="1" kern="0" dirty="0" err="1">
+                                <a:solidFill>
+                                  <a:prstClr val="white"/>
+                                </a:solidFill>
+                                <a:latin typeface="微软雅黑" panose="020B0503020204020204" pitchFamily="34" charset="-122"/>
+                                <a:ea typeface="微软雅黑" panose="020B0503020204020204" pitchFamily="34" charset="-122"/>
+                              </a:rPr>
+                              <a:t>Syzkaller</a:t>
+                            </a:r>
+                            <a:r>
+                              <a:rPr lang="en-US" altLang="zh-CN" sz="1200" b="1" kern="0" dirty="0">
+                                <a:solidFill>
+                                  <a:prstClr val="white"/>
+                                </a:solidFill>
+                                <a:latin typeface="微软雅黑" panose="020B0503020204020204" pitchFamily="34" charset="-122"/>
+                                <a:ea typeface="微软雅黑" panose="020B0503020204020204" pitchFamily="34" charset="-122"/>
+                              </a:rPr>
+                              <a:t>/…</a:t>
+                            </a:r>
+                            <a:endParaRPr kumimoji="0" lang="zh-CN" altLang="en-US" sz="1200" b="1" i="0" u="none" strike="noStrike" kern="0" cap="none" spc="0" normalizeH="0" baseline="0" noProof="0" dirty="0">
+                              <a:ln>
+                                <a:noFill/>
+                              </a:ln>
+                              <a:solidFill>
+                                <a:prstClr val="white"/>
+                              </a:solidFill>
+                              <a:effectLst/>
+                              <a:uLnTx/>
+                              <a:uFillTx/>
+                              <a:latin typeface="微软雅黑" panose="020B0503020204020204" pitchFamily="34" charset="-122"/>
+                              <a:ea typeface="微软雅黑" panose="020B0503020204020204" pitchFamily="34" charset="-122"/>
+                              <a:cs typeface="+mn-cs"/>
+                            </a:endParaRPr>
+                          </a:p>
+                        </p:txBody>
+                      </p:sp>
+                      <p:sp>
+                        <p:nvSpPr>
+                          <p:cNvPr id="48" name="圆角矩形 14">
+                            <a:extLst>
+                              <a:ext uri="{FF2B5EF4-FFF2-40B4-BE49-F238E27FC236}">
+                                <a16:creationId xmlns:a16="http://schemas.microsoft.com/office/drawing/2014/main" id="{FBB14B81-8BDB-4547-8231-A2F7DDD8D60C}"/>
+                              </a:ext>
+                            </a:extLst>
+                          </p:cNvPr>
+                          <p:cNvSpPr/>
+                          <p:nvPr/>
+                        </p:nvSpPr>
+                        <p:spPr>
+                          <a:xfrm>
+                            <a:off x="8250792" y="2773847"/>
+                            <a:ext cx="1599725" cy="248167"/>
+                          </a:xfrm>
+                          <a:prstGeom prst="roundRect">
+                            <a:avLst/>
+                          </a:prstGeom>
+                          <a:gradFill rotWithShape="1">
+                            <a:gsLst>
+                              <a:gs pos="0">
+                                <a:srgbClr val="A262D0">
+                                  <a:tint val="94000"/>
+                                  <a:satMod val="105000"/>
+                                  <a:lumMod val="102000"/>
+                                </a:srgbClr>
+                              </a:gs>
+                              <a:gs pos="100000">
+                                <a:srgbClr val="A262D0">
+                                  <a:shade val="74000"/>
+                                  <a:satMod val="128000"/>
+                                  <a:lumMod val="100000"/>
+                                </a:srgbClr>
+                              </a:gs>
+                            </a:gsLst>
+                            <a:lin ang="5400000" scaled="0"/>
+                          </a:gradFill>
+                          <a:ln>
+                            <a:noFill/>
+                          </a:ln>
+                          <a:effectLst>
+                            <a:outerShdw blurRad="57150" dist="19050" dir="5400000" algn="ctr" rotWithShape="0">
+                              <a:srgbClr val="000000">
+                                <a:alpha val="63000"/>
+                              </a:srgbClr>
+                            </a:outerShdw>
+                          </a:effectLst>
+                        </p:spPr>
+                        <p:txBody>
+                          <a:bodyPr rtlCol="0" anchor="ctr"/>
+                          <a:lstStyle/>
+                          <a:p>
+                            <a:pPr marL="0" marR="0" lvl="0" indent="0" algn="ctr" defTabSz="914400" eaLnBrk="1" fontAlgn="auto" latinLnBrk="0" hangingPunct="1">
+                              <a:lnSpc>
+                                <a:spcPct val="100000"/>
+                              </a:lnSpc>
+                              <a:spcBef>
+                                <a:spcPts val="0"/>
+                              </a:spcBef>
+                              <a:spcAft>
+                                <a:spcPts val="0"/>
+                              </a:spcAft>
+                              <a:buClrTx/>
+                              <a:buSzTx/>
+                              <a:buFontTx/>
+                              <a:buNone/>
+                              <a:tabLst/>
+                              <a:defRPr/>
+                            </a:pPr>
+                            <a:r>
+                              <a:rPr kumimoji="0" lang="en-US" altLang="zh-CN" sz="1200" b="1" i="0" u="none" strike="noStrike" kern="0" cap="none" spc="0" normalizeH="0" baseline="0" noProof="0" dirty="0">
+                                <a:ln>
+                                  <a:noFill/>
+                                </a:ln>
+                                <a:solidFill>
+                                  <a:prstClr val="white"/>
+                                </a:solidFill>
+                                <a:effectLst/>
+                                <a:uLnTx/>
+                                <a:uFillTx/>
+                                <a:latin typeface="微软雅黑" panose="020B0503020204020204" pitchFamily="34" charset="-122"/>
+                                <a:ea typeface="微软雅黑" panose="020B0503020204020204" pitchFamily="34" charset="-122"/>
+                                <a:cs typeface="+mn-cs"/>
+                              </a:rPr>
+                              <a:t>Peach/</a:t>
+                            </a:r>
+                            <a:r>
+                              <a:rPr kumimoji="0" lang="en-US" altLang="zh-CN" sz="1200" b="1" i="0" u="none" strike="noStrike" kern="0" cap="none" spc="0" normalizeH="0" baseline="0" noProof="0" dirty="0" err="1">
+                                <a:ln>
+                                  <a:noFill/>
+                                </a:ln>
+                                <a:solidFill>
+                                  <a:prstClr val="white"/>
+                                </a:solidFill>
+                                <a:effectLst/>
+                                <a:uLnTx/>
+                                <a:uFillTx/>
+                                <a:latin typeface="微软雅黑" panose="020B0503020204020204" pitchFamily="34" charset="-122"/>
+                                <a:ea typeface="微软雅黑" panose="020B0503020204020204" pitchFamily="34" charset="-122"/>
+                                <a:cs typeface="+mn-cs"/>
+                              </a:rPr>
+                              <a:t>Defensices</a:t>
+                            </a:r>
+                            <a:endParaRPr kumimoji="0" lang="en-US" altLang="zh-CN" sz="1200" b="1" i="0" u="none" strike="noStrike" kern="0" cap="none" spc="0" normalizeH="0" baseline="0" noProof="0" dirty="0">
+                              <a:ln>
+                                <a:noFill/>
+                              </a:ln>
+                              <a:solidFill>
+                                <a:prstClr val="white"/>
+                              </a:solidFill>
+                              <a:effectLst/>
+                              <a:uLnTx/>
+                              <a:uFillTx/>
+                              <a:latin typeface="微软雅黑" panose="020B0503020204020204" pitchFamily="34" charset="-122"/>
+                              <a:ea typeface="微软雅黑" panose="020B0503020204020204" pitchFamily="34" charset="-122"/>
+                              <a:cs typeface="+mn-cs"/>
+                            </a:endParaRPr>
+                          </a:p>
+                        </p:txBody>
+                      </p:sp>
+                      <p:sp>
+                        <p:nvSpPr>
+                          <p:cNvPr id="49" name="圆角矩形 15">
+                            <a:extLst>
+                              <a:ext uri="{FF2B5EF4-FFF2-40B4-BE49-F238E27FC236}">
+                                <a16:creationId xmlns:a16="http://schemas.microsoft.com/office/drawing/2014/main" id="{0DC9352C-44EF-41E4-8BEC-798C40682CFA}"/>
+                              </a:ext>
+                            </a:extLst>
+                          </p:cNvPr>
+                          <p:cNvSpPr/>
+                          <p:nvPr/>
+                        </p:nvSpPr>
+                        <p:spPr>
+                          <a:xfrm>
+                            <a:off x="3970995" y="3129939"/>
+                            <a:ext cx="702227" cy="248167"/>
+                          </a:xfrm>
+                          <a:prstGeom prst="roundRect">
+                            <a:avLst/>
+                          </a:prstGeom>
+                          <a:gradFill rotWithShape="1">
+                            <a:gsLst>
+                              <a:gs pos="0">
+                                <a:srgbClr val="54BCDF">
+                                  <a:tint val="94000"/>
+                                  <a:satMod val="105000"/>
+                                  <a:lumMod val="102000"/>
+                                </a:srgbClr>
+                              </a:gs>
+                              <a:gs pos="100000">
+                                <a:srgbClr val="54BCDF">
+                                  <a:shade val="74000"/>
+                                  <a:satMod val="128000"/>
+                                  <a:lumMod val="100000"/>
+                                </a:srgbClr>
+                              </a:gs>
+                            </a:gsLst>
+                            <a:lin ang="5400000" scaled="0"/>
+                          </a:gradFill>
+                          <a:ln>
+                            <a:noFill/>
+                          </a:ln>
+                          <a:effectLst>
+                            <a:outerShdw blurRad="57150" dist="19050" dir="5400000" algn="ctr" rotWithShape="0">
+                              <a:srgbClr val="000000">
+                                <a:alpha val="63000"/>
+                              </a:srgbClr>
+                            </a:outerShdw>
+                          </a:effectLst>
+                        </p:spPr>
+                        <p:txBody>
+                          <a:bodyPr rtlCol="0" anchor="ctr"/>
+                          <a:lstStyle/>
+                          <a:p>
+                            <a:pPr marL="0" marR="0" lvl="0" indent="0" algn="ctr" defTabSz="914400" eaLnBrk="1" fontAlgn="auto" latinLnBrk="0" hangingPunct="1">
+                              <a:lnSpc>
+                                <a:spcPct val="100000"/>
+                              </a:lnSpc>
+                              <a:spcBef>
+                                <a:spcPts val="0"/>
+                              </a:spcBef>
+                              <a:spcAft>
+                                <a:spcPts val="0"/>
+                              </a:spcAft>
+                              <a:buClrTx/>
+                              <a:buSzTx/>
+                              <a:buFontTx/>
+                              <a:buNone/>
+                              <a:tabLst/>
+                              <a:defRPr/>
+                            </a:pPr>
+                            <a:r>
+                              <a:rPr kumimoji="0" lang="zh-CN" altLang="en-US" sz="1200" b="1" i="0" u="none" strike="noStrike" kern="0" cap="none" spc="0" normalizeH="0" baseline="0" noProof="0" dirty="0">
+                                <a:ln>
+                                  <a:noFill/>
+                                </a:ln>
+                                <a:solidFill>
+                                  <a:prstClr val="white"/>
+                                </a:solidFill>
+                                <a:effectLst/>
+                                <a:uLnTx/>
+                                <a:uFillTx/>
+                                <a:latin typeface="微软雅黑" panose="020B0503020204020204" pitchFamily="34" charset="-122"/>
+                                <a:ea typeface="微软雅黑" panose="020B0503020204020204" pitchFamily="34" charset="-122"/>
+                                <a:cs typeface="+mn-cs"/>
+                              </a:rPr>
+                              <a:t>固件</a:t>
+                            </a:r>
+                          </a:p>
+                        </p:txBody>
+                      </p:sp>
+                      <p:sp>
+                        <p:nvSpPr>
+                          <p:cNvPr id="50" name="圆角矩形 21">
+                            <a:extLst>
+                              <a:ext uri="{FF2B5EF4-FFF2-40B4-BE49-F238E27FC236}">
+                                <a16:creationId xmlns:a16="http://schemas.microsoft.com/office/drawing/2014/main" id="{37F6763B-240C-4DD7-AEA3-D67E523EEBFB}"/>
+                              </a:ext>
+                            </a:extLst>
+                          </p:cNvPr>
+                          <p:cNvSpPr/>
+                          <p:nvPr/>
+                        </p:nvSpPr>
+                        <p:spPr>
+                          <a:xfrm>
+                            <a:off x="5497750" y="2759684"/>
+                            <a:ext cx="702227" cy="248167"/>
+                          </a:xfrm>
+                          <a:prstGeom prst="roundRect">
+                            <a:avLst/>
+                          </a:prstGeom>
+                          <a:solidFill>
+                            <a:srgbClr val="00B050"/>
+                          </a:solidFill>
+                          <a:ln>
+                            <a:noFill/>
+                          </a:ln>
+                          <a:effectLst>
+                            <a:outerShdw blurRad="57150" dist="19050" dir="5400000" algn="ctr" rotWithShape="0">
+                              <a:srgbClr val="000000">
+                                <a:alpha val="63000"/>
+                              </a:srgbClr>
+                            </a:outerShdw>
+                          </a:effectLst>
+                        </p:spPr>
+                        <p:txBody>
+                          <a:bodyPr rtlCol="0" anchor="ctr"/>
+                          <a:lstStyle/>
+                          <a:p>
+                            <a:pPr marL="0" marR="0" lvl="0" indent="0" algn="ctr" defTabSz="914400" eaLnBrk="1" fontAlgn="auto" latinLnBrk="0" hangingPunct="1">
+                              <a:lnSpc>
+                                <a:spcPct val="100000"/>
+                              </a:lnSpc>
+                              <a:spcBef>
+                                <a:spcPts val="0"/>
+                              </a:spcBef>
+                              <a:spcAft>
+                                <a:spcPts val="0"/>
+                              </a:spcAft>
+                              <a:buClrTx/>
+                              <a:buSzTx/>
+                              <a:buFontTx/>
+                              <a:buNone/>
+                              <a:tabLst/>
+                              <a:defRPr/>
+                            </a:pPr>
+                            <a:r>
+                              <a:rPr kumimoji="0" lang="zh-CN" altLang="en-US" sz="1400" b="1" i="0" u="none" strike="noStrike" kern="0" cap="none" spc="0" normalizeH="0" baseline="0" noProof="0">
+                                <a:ln>
+                                  <a:noFill/>
+                                </a:ln>
+                                <a:solidFill>
+                                  <a:prstClr val="white"/>
+                                </a:solidFill>
+                                <a:effectLst/>
+                                <a:uLnTx/>
+                                <a:uFillTx/>
+                                <a:latin typeface="微软雅黑" panose="020B0503020204020204" pitchFamily="34" charset="-122"/>
+                                <a:ea typeface="微软雅黑" panose="020B0503020204020204" pitchFamily="34" charset="-122"/>
+                                <a:cs typeface="+mn-cs"/>
+                              </a:rPr>
+                              <a:t>仿真</a:t>
+                            </a:r>
+                          </a:p>
+                        </p:txBody>
+                      </p:sp>
+                      <p:sp>
+                        <p:nvSpPr>
+                          <p:cNvPr id="51" name="文本框 50">
+                            <a:extLst>
+                              <a:ext uri="{FF2B5EF4-FFF2-40B4-BE49-F238E27FC236}">
+                                <a16:creationId xmlns:a16="http://schemas.microsoft.com/office/drawing/2014/main" id="{DD606741-F62E-4F25-BF44-37FD5BD68B94}"/>
+                              </a:ext>
+                            </a:extLst>
+                          </p:cNvPr>
+                          <p:cNvSpPr txBox="1"/>
+                          <p:nvPr/>
+                        </p:nvSpPr>
+                        <p:spPr>
+                          <a:xfrm>
+                            <a:off x="6837436" y="2521516"/>
+                            <a:ext cx="1410068" cy="220244"/>
+                          </a:xfrm>
+                          <a:prstGeom prst="rect">
+                            <a:avLst/>
+                          </a:prstGeom>
+                          <a:noFill/>
+                        </p:spPr>
+                        <p:txBody>
+                          <a:bodyPr wrap="square" rtlCol="0">
+                            <a:spAutoFit/>
+                          </a:bodyPr>
+                          <a:lstStyle/>
+                          <a:p>
+                            <a:pPr marL="0" marR="0" lvl="0" indent="0" defTabSz="914400" eaLnBrk="1" fontAlgn="auto" latinLnBrk="0" hangingPunct="1">
+                              <a:lnSpc>
+                                <a:spcPct val="100000"/>
+                              </a:lnSpc>
+                              <a:spcBef>
+                                <a:spcPts val="0"/>
+                              </a:spcBef>
+                              <a:spcAft>
+                                <a:spcPts val="0"/>
+                              </a:spcAft>
+                              <a:buClrTx/>
+                              <a:buSzTx/>
+                              <a:buFontTx/>
+                              <a:buNone/>
+                              <a:tabLst/>
+                              <a:defRPr/>
+                            </a:pPr>
+                            <a:r>
+                              <a:rPr kumimoji="0" lang="en-US" altLang="zh-CN" sz="1100" b="0" i="0" u="none" strike="noStrike" kern="0" cap="none" spc="0" normalizeH="0" baseline="0" noProof="0" dirty="0">
+                                <a:ln>
+                                  <a:noFill/>
+                                </a:ln>
+                                <a:solidFill>
+                                  <a:srgbClr val="FFFF00"/>
+                                </a:solidFill>
+                                <a:effectLst/>
+                                <a:uLnTx/>
+                                <a:uFillTx/>
+                                <a:latin typeface="Tw Cen MT" panose="020B0602020104020603"/>
+                                <a:ea typeface="宋体" panose="02010600030101010101" pitchFamily="2" charset="-122"/>
+                                <a:hlinkClick r:id="rId5">
+                                  <a:extLst>
+                                    <a:ext uri="{A12FA001-AC4F-418D-AE19-62706E023703}">
+                                      <ahyp:hlinkClr xmlns:ahyp="http://schemas.microsoft.com/office/drawing/2018/hyperlinkcolor" val="tx"/>
+                                    </a:ext>
+                                  </a:extLst>
+                                </a:hlinkClick>
+                              </a:rPr>
+                              <a:t>CVE-2021-30123</a:t>
+                            </a:r>
+                            <a:endParaRPr kumimoji="0" lang="zh-CN" altLang="en-US" sz="1100" b="0" i="0" u="none" strike="noStrike" kern="0" cap="none" spc="0" normalizeH="0" baseline="0" noProof="0" dirty="0">
+                              <a:ln>
+                                <a:noFill/>
+                              </a:ln>
+                              <a:solidFill>
+                                <a:srgbClr val="FFFF00"/>
+                              </a:solidFill>
+                              <a:effectLst/>
+                              <a:uLnTx/>
+                              <a:uFillTx/>
+                              <a:latin typeface="Tw Cen MT" panose="020B0602020104020603"/>
+                              <a:ea typeface="宋体" panose="02010600030101010101" pitchFamily="2" charset="-122"/>
+                            </a:endParaRPr>
+                          </a:p>
+                        </p:txBody>
+                      </p:sp>
+                      <p:sp>
+                        <p:nvSpPr>
+                          <p:cNvPr id="52" name="文本框 51">
+                            <a:extLst>
+                              <a:ext uri="{FF2B5EF4-FFF2-40B4-BE49-F238E27FC236}">
+                                <a16:creationId xmlns:a16="http://schemas.microsoft.com/office/drawing/2014/main" id="{075E543A-DF27-4FBF-A4E8-0FC67DF77B7B}"/>
+                              </a:ext>
+                            </a:extLst>
+                          </p:cNvPr>
+                          <p:cNvSpPr txBox="1"/>
+                          <p:nvPr/>
+                        </p:nvSpPr>
+                        <p:spPr>
+                          <a:xfrm>
+                            <a:off x="3935515" y="2521516"/>
+                            <a:ext cx="1410068" cy="505265"/>
+                          </a:xfrm>
+                          <a:prstGeom prst="rect">
+                            <a:avLst/>
+                          </a:prstGeom>
+                          <a:noFill/>
+                        </p:spPr>
+                        <p:txBody>
+                          <a:bodyPr wrap="square" rtlCol="0">
+                            <a:spAutoFit/>
+                          </a:bodyPr>
+                          <a:lstStyle/>
+                          <a:p>
+                            <a:pPr marL="0" marR="0" lvl="0" indent="0" defTabSz="914400" eaLnBrk="1" fontAlgn="auto" latinLnBrk="0" hangingPunct="1">
+                              <a:lnSpc>
+                                <a:spcPct val="100000"/>
+                              </a:lnSpc>
+                              <a:spcBef>
+                                <a:spcPts val="0"/>
+                              </a:spcBef>
+                              <a:spcAft>
+                                <a:spcPts val="0"/>
+                              </a:spcAft>
+                              <a:buClrTx/>
+                              <a:buSzTx/>
+                              <a:buFontTx/>
+                              <a:buNone/>
+                              <a:tabLst/>
+                              <a:defRPr/>
+                            </a:pPr>
+                            <a:r>
+                              <a:rPr kumimoji="0" lang="en-US" altLang="zh-CN" sz="1100" i="0" u="sng" strike="noStrike" kern="0" cap="none" spc="0" normalizeH="0" baseline="0" noProof="0" dirty="0">
+                                <a:ln>
+                                  <a:noFill/>
+                                </a:ln>
+                                <a:solidFill>
+                                  <a:srgbClr val="FFFF00"/>
+                                </a:solidFill>
+                                <a:effectLst/>
+                                <a:uLnTx/>
+                                <a:uFillTx/>
+                                <a:latin typeface="Tw Cen MT" panose="020B0602020104020603"/>
+                                <a:ea typeface="宋体" panose="02010600030101010101" pitchFamily="2" charset="-122"/>
+                                <a:hlinkClick r:id="rId6" tooltip="CVE-2021-29302">
+                                  <a:extLst>
+                                    <a:ext uri="{A12FA001-AC4F-418D-AE19-62706E023703}">
+                                      <ahyp:hlinkClr xmlns:ahyp="http://schemas.microsoft.com/office/drawing/2018/hyperlinkcolor" val="tx"/>
+                                    </a:ext>
+                                  </a:extLst>
+                                </a:hlinkClick>
+                              </a:rPr>
+                              <a:t>CVE-2021-29302</a:t>
+                            </a:r>
+                            <a:endParaRPr kumimoji="0" lang="en-US" altLang="zh-CN" sz="1100" i="0" u="sng" strike="noStrike" kern="0" cap="none" spc="0" normalizeH="0" baseline="0" noProof="0" dirty="0">
+                              <a:ln>
+                                <a:noFill/>
+                              </a:ln>
+                              <a:solidFill>
+                                <a:srgbClr val="FFFF00"/>
+                              </a:solidFill>
+                              <a:effectLst/>
+                              <a:uLnTx/>
+                              <a:uFillTx/>
+                              <a:latin typeface="Tw Cen MT" panose="020B0602020104020603"/>
+                              <a:ea typeface="宋体" panose="02010600030101010101" pitchFamily="2" charset="-122"/>
+                            </a:endParaRPr>
+                          </a:p>
+                          <a:p>
+                            <a:pPr marL="0" marR="0" lvl="0" indent="0" defTabSz="914400" eaLnBrk="1" fontAlgn="auto" latinLnBrk="0" hangingPunct="1">
+                              <a:lnSpc>
+                                <a:spcPct val="100000"/>
+                              </a:lnSpc>
+                              <a:spcBef>
+                                <a:spcPts val="0"/>
+                              </a:spcBef>
+                              <a:spcAft>
+                                <a:spcPts val="0"/>
+                              </a:spcAft>
+                              <a:buClrTx/>
+                              <a:buSzTx/>
+                              <a:buFontTx/>
+                              <a:buNone/>
+                              <a:tabLst/>
+                              <a:defRPr/>
+                            </a:pPr>
+                            <a:r>
+                              <a:rPr kumimoji="0" lang="en-US" altLang="zh-CN" sz="1100" i="0" u="sng" strike="noStrike" kern="0" cap="none" spc="0" normalizeH="0" baseline="0" noProof="0" dirty="0">
+                                <a:ln>
+                                  <a:noFill/>
+                                </a:ln>
+                                <a:solidFill>
+                                  <a:srgbClr val="FFFF00"/>
+                                </a:solidFill>
+                                <a:effectLst/>
+                                <a:uLnTx/>
+                                <a:uFillTx/>
+                                <a:latin typeface="Tw Cen MT" panose="020B0602020104020603"/>
+                                <a:ea typeface="宋体" panose="02010600030101010101" pitchFamily="2" charset="-122"/>
+                                <a:hlinkClick r:id="rId7" tooltip="CVE-2021-34202">
+                                  <a:extLst>
+                                    <a:ext uri="{A12FA001-AC4F-418D-AE19-62706E023703}">
+                                      <ahyp:hlinkClr xmlns:ahyp="http://schemas.microsoft.com/office/drawing/2018/hyperlinkcolor" val="tx"/>
+                                    </a:ext>
+                                  </a:extLst>
+                                </a:hlinkClick>
+                              </a:rPr>
+                              <a:t>CVE-2021-34202</a:t>
+                            </a:r>
+                            <a:endParaRPr kumimoji="0" lang="en-US" altLang="zh-CN" sz="1100" i="0" u="sng" strike="noStrike" kern="0" cap="none" spc="0" normalizeH="0" baseline="0" noProof="0" dirty="0">
+                              <a:ln>
+                                <a:noFill/>
+                              </a:ln>
+                              <a:solidFill>
+                                <a:srgbClr val="FFFF00"/>
+                              </a:solidFill>
+                              <a:effectLst/>
+                              <a:uLnTx/>
+                              <a:uFillTx/>
+                              <a:latin typeface="Tw Cen MT" panose="020B0602020104020603"/>
+                              <a:ea typeface="宋体" panose="02010600030101010101" pitchFamily="2" charset="-122"/>
+                            </a:endParaRPr>
+                          </a:p>
+                          <a:p>
+                            <a:pPr marL="0" marR="0" lvl="0" indent="0" defTabSz="914400" eaLnBrk="1" fontAlgn="auto" latinLnBrk="0" hangingPunct="1">
+                              <a:lnSpc>
+                                <a:spcPct val="100000"/>
+                              </a:lnSpc>
+                              <a:spcBef>
+                                <a:spcPts val="0"/>
+                              </a:spcBef>
+                              <a:spcAft>
+                                <a:spcPts val="0"/>
+                              </a:spcAft>
+                              <a:buClrTx/>
+                              <a:buSzTx/>
+                              <a:buFontTx/>
+                              <a:buNone/>
+                              <a:tabLst/>
+                              <a:defRPr/>
+                            </a:pPr>
+                            <a:r>
+                              <a:rPr kumimoji="0" lang="en-US" altLang="zh-CN" sz="1100" i="0" u="sng" strike="noStrike" kern="0" cap="none" spc="0" normalizeH="0" baseline="0" noProof="0" dirty="0">
+                                <a:ln>
+                                  <a:noFill/>
+                                </a:ln>
+                                <a:solidFill>
+                                  <a:srgbClr val="FFFF00"/>
+                                </a:solidFill>
+                                <a:effectLst/>
+                                <a:uLnTx/>
+                                <a:uFillTx/>
+                                <a:latin typeface="Tw Cen MT" panose="020B0602020104020603"/>
+                                <a:ea typeface="宋体" panose="02010600030101010101" pitchFamily="2" charset="-122"/>
+                                <a:hlinkClick r:id="rId7" tooltip="CVE-2021-34202">
+                                  <a:extLst>
+                                    <a:ext uri="{A12FA001-AC4F-418D-AE19-62706E023703}">
+                                      <ahyp:hlinkClr xmlns:ahyp="http://schemas.microsoft.com/office/drawing/2018/hyperlinkcolor" val="tx"/>
+                                    </a:ext>
+                                  </a:extLst>
+                                </a:hlinkClick>
+                              </a:rPr>
+                              <a:t>CVE-2021-34203</a:t>
+                            </a:r>
+                            <a:endParaRPr kumimoji="0" lang="zh-CN" altLang="en-US" sz="1100" i="0" u="none" strike="noStrike" kern="0" cap="none" spc="0" normalizeH="0" baseline="0" noProof="0" dirty="0">
+                              <a:ln>
+                                <a:noFill/>
+                              </a:ln>
+                              <a:solidFill>
+                                <a:srgbClr val="FFFF00"/>
+                              </a:solidFill>
+                              <a:effectLst/>
+                              <a:uLnTx/>
+                              <a:uFillTx/>
+                              <a:latin typeface="Tw Cen MT" panose="020B0602020104020603"/>
+                              <a:ea typeface="宋体" panose="02010600030101010101" pitchFamily="2" charset="-122"/>
+                            </a:endParaRPr>
+                          </a:p>
+                        </p:txBody>
+                      </p:sp>
+                      <p:sp>
+                        <p:nvSpPr>
+                          <p:cNvPr id="53" name="矩形 52">
+                            <a:extLst>
+                              <a:ext uri="{FF2B5EF4-FFF2-40B4-BE49-F238E27FC236}">
+                                <a16:creationId xmlns:a16="http://schemas.microsoft.com/office/drawing/2014/main" id="{102ADBAF-AC21-4A8E-92CB-04B1578DD0E1}"/>
+                              </a:ext>
+                            </a:extLst>
+                          </p:cNvPr>
+                          <p:cNvSpPr/>
+                          <p:nvPr/>
+                        </p:nvSpPr>
+                        <p:spPr>
+                          <a:xfrm>
+                            <a:off x="8677573" y="3035131"/>
+                            <a:ext cx="1361967" cy="362754"/>
+                          </a:xfrm>
+                          <a:prstGeom prst="rect">
+                            <a:avLst/>
+                          </a:prstGeom>
+                          <a:noFill/>
+                        </p:spPr>
+                        <p:txBody>
+                          <a:bodyPr wrap="square" rtlCol="0">
+                            <a:spAutoFit/>
+                          </a:bodyPr>
+                          <a:lstStyle/>
+                          <a:p>
+                            <a:pPr marL="0" marR="0" lvl="0" indent="0" defTabSz="914400" eaLnBrk="1" fontAlgn="auto" latinLnBrk="0" hangingPunct="1">
+                              <a:lnSpc>
+                                <a:spcPct val="100000"/>
+                              </a:lnSpc>
+                              <a:spcBef>
+                                <a:spcPts val="0"/>
+                              </a:spcBef>
+                              <a:spcAft>
+                                <a:spcPts val="0"/>
+                              </a:spcAft>
+                              <a:buClrTx/>
+                              <a:buSzTx/>
+                              <a:buFontTx/>
+                              <a:buNone/>
+                              <a:tabLst/>
+                              <a:defRPr/>
+                            </a:pPr>
+                            <a:r>
+                              <a:rPr kumimoji="0" lang="en-US" altLang="zh-CN" sz="1100" b="0" i="0" u="none" strike="noStrike" kern="0" cap="none" spc="0" normalizeH="0" baseline="0" noProof="0">
+                                <a:ln>
+                                  <a:noFill/>
+                                </a:ln>
+                                <a:solidFill>
+                                  <a:srgbClr val="A262D0">
+                                    <a:lumMod val="40000"/>
+                                    <a:lumOff val="60000"/>
+                                  </a:srgbClr>
+                                </a:solidFill>
+                                <a:effectLst/>
+                                <a:uLnTx/>
+                                <a:uFillTx/>
+                                <a:latin typeface="Tw Cen MT" panose="020B0602020104020603"/>
+                                <a:ea typeface="宋体" panose="02010600030101010101" pitchFamily="2" charset="-122"/>
+                              </a:rPr>
+                              <a:t>Android bug id</a:t>
+                            </a:r>
+                          </a:p>
+                          <a:p>
+                            <a:pPr marL="0" marR="0" lvl="0" indent="0" defTabSz="914400" eaLnBrk="1" fontAlgn="auto" latinLnBrk="0" hangingPunct="1">
+                              <a:lnSpc>
+                                <a:spcPct val="100000"/>
+                              </a:lnSpc>
+                              <a:spcBef>
+                                <a:spcPts val="0"/>
+                              </a:spcBef>
+                              <a:spcAft>
+                                <a:spcPts val="0"/>
+                              </a:spcAft>
+                              <a:buClrTx/>
+                              <a:buSzTx/>
+                              <a:buFontTx/>
+                              <a:buNone/>
+                              <a:tabLst/>
+                              <a:defRPr/>
+                            </a:pPr>
+                            <a:r>
+                              <a:rPr kumimoji="0" lang="zh-CN" altLang="en-US" sz="1100" b="0" i="0" u="none" strike="noStrike" kern="0" cap="none" spc="0" normalizeH="0" baseline="0" noProof="0">
+                                <a:ln>
+                                  <a:noFill/>
+                                </a:ln>
+                                <a:solidFill>
+                                  <a:srgbClr val="A262D0">
+                                    <a:lumMod val="40000"/>
+                                    <a:lumOff val="60000"/>
+                                  </a:srgbClr>
+                                </a:solidFill>
+                                <a:effectLst/>
+                                <a:uLnTx/>
+                                <a:uFillTx/>
+                                <a:latin typeface="Tw Cen MT" panose="020B0602020104020603"/>
+                                <a:ea typeface="宋体" panose="02010600030101010101" pitchFamily="2" charset="-122"/>
+                              </a:rPr>
+                              <a:t>178637310</a:t>
+                            </a:r>
+                          </a:p>
+                        </p:txBody>
+                      </p:sp>
+                      <p:sp>
+                        <p:nvSpPr>
+                          <p:cNvPr id="54" name="任意多边形 40">
+                            <a:extLst>
+                              <a:ext uri="{FF2B5EF4-FFF2-40B4-BE49-F238E27FC236}">
+                                <a16:creationId xmlns:a16="http://schemas.microsoft.com/office/drawing/2014/main" id="{2C489ABB-B3B2-4F53-A674-63636C0E0EF0}"/>
+                              </a:ext>
+                            </a:extLst>
+                          </p:cNvPr>
+                          <p:cNvSpPr/>
+                          <p:nvPr/>
+                        </p:nvSpPr>
+                        <p:spPr>
+                          <a:xfrm>
+                            <a:off x="3698789" y="3738716"/>
+                            <a:ext cx="6664411" cy="447627"/>
+                          </a:xfrm>
+                          <a:custGeom>
+                            <a:avLst/>
+                            <a:gdLst>
+                              <a:gd name="connsiteX0" fmla="*/ 0 w 6664411"/>
+                              <a:gd name="connsiteY0" fmla="*/ 133068 h 447627"/>
+                              <a:gd name="connsiteX1" fmla="*/ 1293341 w 6664411"/>
+                              <a:gd name="connsiteY1" fmla="*/ 446106 h 447627"/>
+                              <a:gd name="connsiteX2" fmla="*/ 3023287 w 6664411"/>
+                              <a:gd name="connsiteY2" fmla="*/ 17738 h 447627"/>
+                              <a:gd name="connsiteX3" fmla="*/ 6664411 w 6664411"/>
+                              <a:gd name="connsiteY3" fmla="*/ 75403 h 447627"/>
+                            </a:gdLst>
+                            <a:ahLst/>
+                            <a:cxnLst>
+                              <a:cxn ang="0">
+                                <a:pos x="connsiteX0" y="connsiteY0"/>
+                              </a:cxn>
+                              <a:cxn ang="0">
+                                <a:pos x="connsiteX1" y="connsiteY1"/>
+                              </a:cxn>
+                              <a:cxn ang="0">
+                                <a:pos x="connsiteX2" y="connsiteY2"/>
+                              </a:cxn>
+                              <a:cxn ang="0">
+                                <a:pos x="connsiteX3" y="connsiteY3"/>
+                              </a:cxn>
+                            </a:cxnLst>
+                            <a:rect l="l" t="t" r="r" b="b"/>
+                            <a:pathLst>
+                              <a:path w="6664411" h="447627">
+                                <a:moveTo>
+                                  <a:pt x="0" y="133068"/>
+                                </a:moveTo>
+                                <a:cubicBezTo>
+                                  <a:pt x="394730" y="299198"/>
+                                  <a:pt x="789460" y="465328"/>
+                                  <a:pt x="1293341" y="446106"/>
+                                </a:cubicBezTo>
+                                <a:cubicBezTo>
+                                  <a:pt x="1797222" y="426884"/>
+                                  <a:pt x="2128109" y="79522"/>
+                                  <a:pt x="3023287" y="17738"/>
+                                </a:cubicBezTo>
+                                <a:cubicBezTo>
+                                  <a:pt x="3918465" y="-44046"/>
+                                  <a:pt x="6664411" y="75403"/>
+                                  <a:pt x="6664411" y="75403"/>
+                                </a:cubicBezTo>
+                              </a:path>
+                            </a:pathLst>
+                          </a:custGeom>
+                          <a:noFill/>
+                          <a:ln w="15875" cap="flat" cmpd="sng" algn="ctr">
+                            <a:solidFill>
+                              <a:sysClr val="window" lastClr="FFFFFF"/>
+                            </a:solidFill>
+                            <a:prstDash val="solid"/>
+                            <a:headEnd type="none" w="med" len="med"/>
+                            <a:tailEnd type="arrow" w="med" len="med"/>
+                          </a:ln>
+                          <a:effectLst/>
+                        </p:spPr>
+                        <p:txBody>
+                          <a:bodyPr rtlCol="0" anchor="ctr"/>
+                          <a:lstStyle/>
+                          <a:p>
+                            <a:pPr marL="0" marR="0" lvl="0" indent="0" algn="ctr" defTabSz="914400" eaLnBrk="1" fontAlgn="auto" latinLnBrk="0" hangingPunct="1">
+                              <a:lnSpc>
+                                <a:spcPct val="100000"/>
+                              </a:lnSpc>
+                              <a:spcBef>
+                                <a:spcPts val="0"/>
+                              </a:spcBef>
+                              <a:spcAft>
+                                <a:spcPts val="0"/>
+                              </a:spcAft>
+                              <a:buClrTx/>
+                              <a:buSzTx/>
+                              <a:buFontTx/>
+                              <a:buNone/>
+                              <a:tabLst/>
+                              <a:defRPr/>
+                            </a:pPr>
+                            <a:endParaRPr kumimoji="0" lang="zh-CN" altLang="en-US" sz="1600" b="0" i="0" u="none" strike="noStrike" kern="0" cap="none" spc="0" normalizeH="0" baseline="0" noProof="0">
+                              <a:ln>
+                                <a:noFill/>
+                              </a:ln>
+                              <a:solidFill>
+                                <a:prstClr val="white"/>
+                              </a:solidFill>
+                              <a:effectLst/>
+                              <a:uLnTx/>
+                              <a:uFillTx/>
+                              <a:latin typeface="Tw Cen MT" panose="020B0602020104020603"/>
+                              <a:ea typeface="宋体" panose="02010600030101010101" pitchFamily="2" charset="-122"/>
+                              <a:cs typeface="+mn-cs"/>
+                            </a:endParaRPr>
+                          </a:p>
+                        </p:txBody>
+                      </p:sp>
+                      <p:sp>
+                        <p:nvSpPr>
+                          <p:cNvPr id="55" name="圆角矩形 45">
+                            <a:extLst>
+                              <a:ext uri="{FF2B5EF4-FFF2-40B4-BE49-F238E27FC236}">
+                                <a16:creationId xmlns:a16="http://schemas.microsoft.com/office/drawing/2014/main" id="{D939BB7E-3CC0-495C-A5FB-69E19F1649BD}"/>
+                              </a:ext>
+                            </a:extLst>
+                          </p:cNvPr>
+                          <p:cNvSpPr/>
+                          <p:nvPr/>
+                        </p:nvSpPr>
+                        <p:spPr>
+                          <a:xfrm>
+                            <a:off x="2861284" y="3744481"/>
+                            <a:ext cx="848348" cy="249271"/>
+                          </a:xfrm>
+                          <a:prstGeom prst="roundRect">
+                            <a:avLst/>
+                          </a:prstGeom>
+                          <a:gradFill rotWithShape="1">
+                            <a:gsLst>
+                              <a:gs pos="0">
+                                <a:srgbClr val="D7537B">
+                                  <a:tint val="94000"/>
+                                  <a:satMod val="105000"/>
+                                  <a:lumMod val="102000"/>
+                                </a:srgbClr>
+                              </a:gs>
+                              <a:gs pos="100000">
+                                <a:srgbClr val="D7537B">
+                                  <a:shade val="74000"/>
+                                  <a:satMod val="128000"/>
+                                  <a:lumMod val="100000"/>
+                                </a:srgbClr>
+                              </a:gs>
+                            </a:gsLst>
+                            <a:lin ang="5400000" scaled="0"/>
+                          </a:gradFill>
+                          <a:ln>
+                            <a:noFill/>
+                          </a:ln>
+                          <a:effectLst>
+                            <a:outerShdw blurRad="57150" dist="19050" dir="5400000" algn="ctr" rotWithShape="0">
+                              <a:srgbClr val="000000">
+                                <a:alpha val="63000"/>
+                              </a:srgbClr>
+                            </a:outerShdw>
+                          </a:effectLst>
+                        </p:spPr>
+                        <p:txBody>
+                          <a:bodyPr rtlCol="0" anchor="ctr"/>
+                          <a:lstStyle/>
+                          <a:p>
+                            <a:pPr marL="0" marR="0" lvl="0" indent="0" algn="ctr" defTabSz="914400" eaLnBrk="1" fontAlgn="auto" latinLnBrk="0" hangingPunct="1">
+                              <a:lnSpc>
+                                <a:spcPct val="100000"/>
+                              </a:lnSpc>
+                              <a:spcBef>
+                                <a:spcPts val="0"/>
+                              </a:spcBef>
+                              <a:spcAft>
+                                <a:spcPts val="0"/>
+                              </a:spcAft>
+                              <a:buClrTx/>
+                              <a:buSzTx/>
+                              <a:buFontTx/>
+                              <a:buNone/>
+                              <a:tabLst/>
+                              <a:defRPr/>
+                            </a:pPr>
+                            <a:r>
+                              <a:rPr kumimoji="0" lang="en-US" altLang="zh-CN" sz="1200" b="1" i="0" u="none" strike="noStrike" kern="0" cap="none" spc="0" normalizeH="0" baseline="0" noProof="0">
+                                <a:ln>
+                                  <a:noFill/>
+                                </a:ln>
+                                <a:solidFill>
+                                  <a:prstClr val="white"/>
+                                </a:solidFill>
+                                <a:effectLst/>
+                                <a:uLnTx/>
+                                <a:uFillTx/>
+                                <a:latin typeface="微软雅黑" panose="020B0503020204020204" pitchFamily="34" charset="-122"/>
+                                <a:ea typeface="微软雅黑" panose="020B0503020204020204" pitchFamily="34" charset="-122"/>
+                                <a:cs typeface="+mn-cs"/>
+                              </a:rPr>
+                              <a:t>IoT/ICV</a:t>
+                            </a:r>
+                            <a:endParaRPr kumimoji="0" lang="zh-CN" altLang="en-US" sz="1200" b="1" i="0" u="none" strike="noStrike" kern="0" cap="none" spc="0" normalizeH="0" baseline="0" noProof="0">
+                              <a:ln>
+                                <a:noFill/>
+                              </a:ln>
+                              <a:solidFill>
+                                <a:prstClr val="white"/>
+                              </a:solidFill>
+                              <a:effectLst/>
+                              <a:uLnTx/>
+                              <a:uFillTx/>
+                              <a:latin typeface="微软雅黑" panose="020B0503020204020204" pitchFamily="34" charset="-122"/>
+                              <a:ea typeface="微软雅黑" panose="020B0503020204020204" pitchFamily="34" charset="-122"/>
+                              <a:cs typeface="+mn-cs"/>
+                            </a:endParaRPr>
+                          </a:p>
+                        </p:txBody>
+                      </p:sp>
+                    </p:grpSp>
+                    <p:cxnSp>
+                      <p:nvCxnSpPr>
+                        <p:cNvPr id="38" name="直接连接符 37">
+                          <a:extLst>
+                            <a:ext uri="{FF2B5EF4-FFF2-40B4-BE49-F238E27FC236}">
+                              <a16:creationId xmlns:a16="http://schemas.microsoft.com/office/drawing/2014/main" id="{5A46CD71-BA56-4412-8374-18977A0D662B}"/>
+                            </a:ext>
+                          </a:extLst>
+                        </p:cNvPr>
+                        <p:cNvCxnSpPr>
+                          <a:stCxn id="54" idx="1"/>
+                          <a:endCxn id="40" idx="2"/>
+                        </p:cNvCxnSpPr>
+                        <p:nvPr/>
+                      </p:nvCxnSpPr>
+                      <p:spPr>
+                        <a:xfrm flipH="1" flipV="1">
+                          <a:off x="5267965" y="3708928"/>
+                          <a:ext cx="170" cy="411210"/>
+                        </a:xfrm>
+                        <a:prstGeom prst="line">
+                          <a:avLst/>
+                        </a:prstGeom>
+                        <a:noFill/>
+                        <a:ln w="19050" cap="flat" cmpd="sng" algn="ctr">
+                          <a:solidFill>
+                            <a:schemeClr val="tx2">
+                              <a:lumMod val="75000"/>
+                            </a:schemeClr>
+                          </a:solidFill>
+                          <a:prstDash val="solid"/>
+                        </a:ln>
+                        <a:effectLst/>
+                      </p:spPr>
+                    </p:cxnSp>
+                    <p:cxnSp>
+                      <p:nvCxnSpPr>
+                        <p:cNvPr id="39" name="直接连接符 38">
+                          <a:extLst>
+                            <a:ext uri="{FF2B5EF4-FFF2-40B4-BE49-F238E27FC236}">
+                              <a16:creationId xmlns:a16="http://schemas.microsoft.com/office/drawing/2014/main" id="{2FA56E75-95CB-4571-BE5E-9ED706C8B167}"/>
+                            </a:ext>
+                          </a:extLst>
+                        </p:cNvPr>
+                        <p:cNvCxnSpPr>
+                          <a:endCxn id="46" idx="2"/>
+                        </p:cNvCxnSpPr>
+                        <p:nvPr/>
+                      </p:nvCxnSpPr>
+                      <p:spPr>
+                        <a:xfrm flipV="1">
+                          <a:off x="8920289" y="3227033"/>
+                          <a:ext cx="0" cy="311768"/>
+                        </a:xfrm>
+                        <a:prstGeom prst="line">
+                          <a:avLst/>
+                        </a:prstGeom>
+                        <a:noFill/>
+                        <a:ln w="19050" cap="flat" cmpd="sng" algn="ctr">
+                          <a:solidFill>
+                            <a:schemeClr val="accent2">
+                              <a:lumMod val="20000"/>
+                              <a:lumOff val="80000"/>
+                            </a:schemeClr>
+                          </a:solidFill>
+                          <a:prstDash val="solid"/>
+                        </a:ln>
+                        <a:effectLst/>
+                      </p:spPr>
+                    </p:cxnSp>
+                  </p:grpSp>
+                </p:grpSp>
+                <p:cxnSp>
+                  <p:nvCxnSpPr>
+                    <p:cNvPr id="32" name="直接连接符 31">
+                      <a:extLst>
+                        <a:ext uri="{FF2B5EF4-FFF2-40B4-BE49-F238E27FC236}">
+                          <a16:creationId xmlns:a16="http://schemas.microsoft.com/office/drawing/2014/main" id="{A7966277-186F-432A-9531-E3B2660CBDC8}"/>
+                        </a:ext>
+                      </a:extLst>
+                    </p:cNvPr>
+                    <p:cNvCxnSpPr>
+                      <a:endCxn id="35" idx="0"/>
+                    </p:cNvCxnSpPr>
+                    <p:nvPr/>
+                  </p:nvCxnSpPr>
+                  <p:spPr>
+                    <a:xfrm>
+                      <a:off x="6819027" y="3629025"/>
+                      <a:ext cx="1" cy="250505"/>
+                    </a:xfrm>
+                    <a:prstGeom prst="line">
+                      <a:avLst/>
+                    </a:prstGeom>
+                    <a:ln w="19050">
+                      <a:solidFill>
+                        <a:schemeClr val="accent3">
+                          <a:lumMod val="20000"/>
+                          <a:lumOff val="80000"/>
+                          <a:alpha val="60000"/>
+                        </a:schemeClr>
+                      </a:solidFill>
+                    </a:ln>
+                  </p:spPr>
+                  <p:style>
+                    <a:lnRef idx="1">
+                      <a:schemeClr val="accent1"/>
+                    </a:lnRef>
+                    <a:fillRef idx="0">
+                      <a:schemeClr val="accent1"/>
+                    </a:fillRef>
+                    <a:effectRef idx="0">
+                      <a:schemeClr val="accent1"/>
+                    </a:effectRef>
+                    <a:fontRef idx="minor">
+                      <a:schemeClr val="tx1"/>
+                    </a:fontRef>
+                  </p:style>
+                </p:cxnSp>
+              </p:grpSp>
               <p:sp>
                 <p:nvSpPr>
-                  <p:cNvPr id="40" name="圆角矩形 3">
+                  <p:cNvPr id="2" name="椭圆 1">
                     <a:extLst>
                       <a:ext uri="{FF2B5EF4-FFF2-40B4-BE49-F238E27FC236}">
-                        <a16:creationId xmlns:a16="http://schemas.microsoft.com/office/drawing/2014/main" id="{9125A545-B7F2-4B01-97AB-15B9663E39F5}"/>
+                        <a16:creationId xmlns:a16="http://schemas.microsoft.com/office/drawing/2014/main" id="{27A68704-3C29-4B55-BC65-625ECC41B8F4}"/>
                       </a:ext>
                     </a:extLst>
                   </p:cNvPr>
@@ -5570,1614 +7530,64 @@
                 </p:nvSpPr>
                 <p:spPr>
                   <a:xfrm>
-                    <a:off x="4547137" y="3621101"/>
-                    <a:ext cx="889686" cy="248167"/>
+                    <a:off x="816746" y="1635710"/>
+                    <a:ext cx="8975324" cy="3586579"/>
                   </a:xfrm>
-                  <a:prstGeom prst="roundRect">
+                  <a:prstGeom prst="ellipse">
                     <a:avLst/>
                   </a:prstGeom>
-                  <a:gradFill rotWithShape="1">
-                    <a:gsLst>
-                      <a:gs pos="0">
-                        <a:srgbClr val="54BCDF">
-                          <a:tint val="94000"/>
-                          <a:satMod val="105000"/>
-                          <a:lumMod val="102000"/>
-                        </a:srgbClr>
-                      </a:gs>
-                      <a:gs pos="100000">
-                        <a:srgbClr val="54BCDF">
-                          <a:shade val="74000"/>
-                          <a:satMod val="128000"/>
-                          <a:lumMod val="100000"/>
-                        </a:srgbClr>
-                      </a:gs>
-                    </a:gsLst>
-                    <a:lin ang="5400000" scaled="0"/>
-                  </a:gradFill>
+                  <a:noFill/>
                   <a:ln>
-                    <a:noFill/>
+                    <a:solidFill>
+                      <a:schemeClr val="tx1"/>
+                    </a:solidFill>
                   </a:ln>
-                  <a:effectLst>
-                    <a:outerShdw blurRad="57150" dist="19050" dir="5400000" algn="ctr" rotWithShape="0">
-                      <a:srgbClr val="000000">
-                        <a:alpha val="63000"/>
-                      </a:srgbClr>
-                    </a:outerShdw>
-                  </a:effectLst>
                 </p:spPr>
+                <p:style>
+                  <a:lnRef idx="2">
+                    <a:schemeClr val="accent1">
+                      <a:shade val="50000"/>
+                    </a:schemeClr>
+                  </a:lnRef>
+                  <a:fillRef idx="1">
+                    <a:schemeClr val="accent1"/>
+                  </a:fillRef>
+                  <a:effectRef idx="0">
+                    <a:schemeClr val="accent1"/>
+                  </a:effectRef>
+                  <a:fontRef idx="minor">
+                    <a:schemeClr val="lt1"/>
+                  </a:fontRef>
+                </p:style>
                 <p:txBody>
                   <a:bodyPr rtlCol="0" anchor="ctr"/>
                   <a:lstStyle/>
                   <a:p>
-                    <a:pPr marL="0" marR="0" lvl="0" indent="0" algn="ctr" defTabSz="914400" eaLnBrk="1" fontAlgn="auto" latinLnBrk="0" hangingPunct="1">
-                      <a:lnSpc>
-                        <a:spcPct val="100000"/>
-                      </a:lnSpc>
-                      <a:spcBef>
-                        <a:spcPts val="0"/>
-                      </a:spcBef>
-                      <a:spcAft>
-                        <a:spcPts val="0"/>
-                      </a:spcAft>
-                      <a:buClrTx/>
-                      <a:buSzTx/>
-                      <a:buFontTx/>
-                      <a:buNone/>
-                      <a:tabLst/>
-                      <a:defRPr/>
-                    </a:pPr>
-                    <a:r>
-                      <a:rPr kumimoji="0" lang="zh-CN" altLang="en-US" sz="1400" b="1" i="0" u="none" strike="noStrike" kern="0" cap="none" spc="0" normalizeH="0" baseline="0" noProof="0">
-                        <a:ln>
-                          <a:noFill/>
-                        </a:ln>
-                        <a:solidFill>
-                          <a:prstClr val="white"/>
-                        </a:solidFill>
-                        <a:effectLst/>
-                        <a:uLnTx/>
-                        <a:uFillTx/>
-                        <a:latin typeface="微软雅黑" panose="020B0503020204020204" pitchFamily="34" charset="-122"/>
-                        <a:ea typeface="微软雅黑" panose="020B0503020204020204" pitchFamily="34" charset="-122"/>
-                        <a:cs typeface="+mn-cs"/>
-                      </a:rPr>
-                      <a:t>二进制</a:t>
-                    </a:r>
-                  </a:p>
-                </p:txBody>
-              </p:sp>
-              <p:sp>
-                <p:nvSpPr>
-                  <p:cNvPr id="41" name="圆角矩形 4">
-                    <a:extLst>
-                      <a:ext uri="{FF2B5EF4-FFF2-40B4-BE49-F238E27FC236}">
-                        <a16:creationId xmlns:a16="http://schemas.microsoft.com/office/drawing/2014/main" id="{4BC7E310-CE13-4CCB-8A42-6CD2770B2EAF}"/>
-                      </a:ext>
-                    </a:extLst>
-                  </p:cNvPr>
-                  <p:cNvSpPr/>
-                  <p:nvPr/>
-                </p:nvSpPr>
-                <p:spPr>
-                  <a:xfrm>
-                    <a:off x="7001365" y="4092308"/>
-                    <a:ext cx="1224109" cy="250996"/>
-                  </a:xfrm>
-                  <a:prstGeom prst="roundRect">
-                    <a:avLst/>
-                  </a:prstGeom>
-                  <a:gradFill rotWithShape="1">
-                    <a:gsLst>
-                      <a:gs pos="0">
-                        <a:srgbClr val="84C350">
-                          <a:tint val="94000"/>
-                          <a:satMod val="105000"/>
-                          <a:lumMod val="102000"/>
-                        </a:srgbClr>
-                      </a:gs>
-                      <a:gs pos="100000">
-                        <a:srgbClr val="84C350">
-                          <a:shade val="74000"/>
-                          <a:satMod val="128000"/>
-                          <a:lumMod val="100000"/>
-                        </a:srgbClr>
-                      </a:gs>
-                    </a:gsLst>
-                    <a:lin ang="5400000" scaled="0"/>
-                  </a:gradFill>
-                  <a:ln>
-                    <a:noFill/>
-                  </a:ln>
-                  <a:effectLst>
-                    <a:outerShdw blurRad="57150" dist="19050" dir="5400000" algn="ctr" rotWithShape="0">
-                      <a:srgbClr val="000000">
-                        <a:alpha val="63000"/>
-                      </a:srgbClr>
-                    </a:outerShdw>
-                  </a:effectLst>
-                </p:spPr>
-                <p:txBody>
-                  <a:bodyPr rtlCol="0" anchor="ctr"/>
-                  <a:lstStyle/>
-                  <a:p>
-                    <a:pPr marL="0" marR="0" lvl="0" indent="0" algn="ctr" defTabSz="914400" eaLnBrk="1" fontAlgn="auto" latinLnBrk="0" hangingPunct="1">
-                      <a:lnSpc>
-                        <a:spcPct val="100000"/>
-                      </a:lnSpc>
-                      <a:spcBef>
-                        <a:spcPts val="0"/>
-                      </a:spcBef>
-                      <a:spcAft>
-                        <a:spcPts val="0"/>
-                      </a:spcAft>
-                      <a:buClrTx/>
-                      <a:buSzTx/>
-                      <a:buFontTx/>
-                      <a:buNone/>
-                      <a:tabLst/>
-                      <a:defRPr/>
-                    </a:pPr>
-                    <a:r>
-                      <a:rPr kumimoji="0" lang="en-US" altLang="zh-CN" sz="1400" b="1" i="0" u="none" strike="noStrike" kern="0" cap="none" spc="0" normalizeH="0" baseline="0" noProof="0">
-                        <a:ln>
-                          <a:noFill/>
-                        </a:ln>
-                        <a:solidFill>
-                          <a:prstClr val="white"/>
-                        </a:solidFill>
-                        <a:effectLst/>
-                        <a:uLnTx/>
-                        <a:uFillTx/>
-                        <a:latin typeface="微软雅黑" panose="020B0503020204020204" pitchFamily="34" charset="-122"/>
-                        <a:ea typeface="微软雅黑" panose="020B0503020204020204" pitchFamily="34" charset="-122"/>
-                        <a:cs typeface="+mn-cs"/>
-                      </a:rPr>
-                      <a:t>ISO 21434</a:t>
-                    </a:r>
-                    <a:endParaRPr kumimoji="0" lang="zh-CN" altLang="en-US" sz="1400" b="1" i="0" u="none" strike="noStrike" kern="0" cap="none" spc="0" normalizeH="0" baseline="0" noProof="0">
-                      <a:ln>
-                        <a:noFill/>
-                      </a:ln>
-                      <a:solidFill>
-                        <a:prstClr val="white"/>
-                      </a:solidFill>
-                      <a:effectLst/>
-                      <a:uLnTx/>
-                      <a:uFillTx/>
-                      <a:latin typeface="微软雅黑" panose="020B0503020204020204" pitchFamily="34" charset="-122"/>
-                      <a:ea typeface="微软雅黑" panose="020B0503020204020204" pitchFamily="34" charset="-122"/>
-                      <a:cs typeface="+mn-cs"/>
-                    </a:endParaRPr>
-                  </a:p>
-                </p:txBody>
-              </p:sp>
-              <p:sp>
-                <p:nvSpPr>
-                  <p:cNvPr id="42" name="圆角矩形 7">
-                    <a:extLst>
-                      <a:ext uri="{FF2B5EF4-FFF2-40B4-BE49-F238E27FC236}">
-                        <a16:creationId xmlns:a16="http://schemas.microsoft.com/office/drawing/2014/main" id="{F4CC1315-4814-4636-8204-17234083D97F}"/>
-                      </a:ext>
-                    </a:extLst>
-                  </p:cNvPr>
-                  <p:cNvSpPr/>
-                  <p:nvPr/>
-                </p:nvSpPr>
-                <p:spPr>
-                  <a:xfrm>
-                    <a:off x="8397961" y="3960010"/>
-                    <a:ext cx="788108" cy="248168"/>
-                  </a:xfrm>
-                  <a:prstGeom prst="roundRect">
-                    <a:avLst/>
-                  </a:prstGeom>
-                  <a:gradFill rotWithShape="1">
-                    <a:gsLst>
-                      <a:gs pos="0">
-                        <a:srgbClr val="84C350">
-                          <a:tint val="94000"/>
-                          <a:satMod val="105000"/>
-                          <a:lumMod val="102000"/>
-                        </a:srgbClr>
-                      </a:gs>
-                      <a:gs pos="100000">
-                        <a:srgbClr val="84C350">
-                          <a:shade val="74000"/>
-                          <a:satMod val="128000"/>
-                          <a:lumMod val="100000"/>
-                        </a:srgbClr>
-                      </a:gs>
-                    </a:gsLst>
-                    <a:lin ang="5400000" scaled="0"/>
-                  </a:gradFill>
-                  <a:ln>
-                    <a:noFill/>
-                  </a:ln>
-                  <a:effectLst>
-                    <a:outerShdw blurRad="57150" dist="19050" dir="5400000" algn="ctr" rotWithShape="0">
-                      <a:srgbClr val="000000">
-                        <a:alpha val="63000"/>
-                      </a:srgbClr>
-                    </a:outerShdw>
-                  </a:effectLst>
-                </p:spPr>
-                <p:txBody>
-                  <a:bodyPr rtlCol="0" anchor="ctr"/>
-                  <a:lstStyle/>
-                  <a:p>
-                    <a:pPr marL="0" marR="0" lvl="0" indent="0" algn="ctr" defTabSz="914400" eaLnBrk="1" fontAlgn="auto" latinLnBrk="0" hangingPunct="1">
-                      <a:lnSpc>
-                        <a:spcPct val="100000"/>
-                      </a:lnSpc>
-                      <a:spcBef>
-                        <a:spcPts val="0"/>
-                      </a:spcBef>
-                      <a:spcAft>
-                        <a:spcPts val="0"/>
-                      </a:spcAft>
-                      <a:buClrTx/>
-                      <a:buSzTx/>
-                      <a:buFontTx/>
-                      <a:buNone/>
-                      <a:tabLst/>
-                      <a:defRPr/>
-                    </a:pPr>
-                    <a:r>
-                      <a:rPr kumimoji="0" lang="en-US" altLang="zh-CN" sz="1400" b="1" i="0" u="none" strike="noStrike" kern="0" cap="none" spc="0" normalizeH="0" baseline="0" noProof="0">
-                        <a:ln>
-                          <a:noFill/>
-                        </a:ln>
-                        <a:solidFill>
-                          <a:prstClr val="white"/>
-                        </a:solidFill>
-                        <a:effectLst/>
-                        <a:uLnTx/>
-                        <a:uFillTx/>
-                        <a:latin typeface="微软雅黑" panose="020B0503020204020204" pitchFamily="34" charset="-122"/>
-                        <a:ea typeface="微软雅黑" panose="020B0503020204020204" pitchFamily="34" charset="-122"/>
-                        <a:cs typeface="+mn-cs"/>
-                      </a:rPr>
-                      <a:t>WP 29</a:t>
-                    </a:r>
-                    <a:endParaRPr kumimoji="0" lang="zh-CN" altLang="en-US" sz="1400" b="1" i="0" u="none" strike="noStrike" kern="0" cap="none" spc="0" normalizeH="0" baseline="0" noProof="0">
-                      <a:ln>
-                        <a:noFill/>
-                      </a:ln>
-                      <a:solidFill>
-                        <a:prstClr val="white"/>
-                      </a:solidFill>
-                      <a:effectLst/>
-                      <a:uLnTx/>
-                      <a:uFillTx/>
-                      <a:latin typeface="微软雅黑" panose="020B0503020204020204" pitchFamily="34" charset="-122"/>
-                      <a:ea typeface="微软雅黑" panose="020B0503020204020204" pitchFamily="34" charset="-122"/>
-                      <a:cs typeface="+mn-cs"/>
-                    </a:endParaRPr>
-                  </a:p>
-                </p:txBody>
-              </p:sp>
-              <p:sp>
-                <p:nvSpPr>
-                  <p:cNvPr id="43" name="圆角矩形 8">
-                    <a:extLst>
-                      <a:ext uri="{FF2B5EF4-FFF2-40B4-BE49-F238E27FC236}">
-                        <a16:creationId xmlns:a16="http://schemas.microsoft.com/office/drawing/2014/main" id="{CC7966A0-826C-4D8A-BDF7-2A29CD75A8A8}"/>
-                      </a:ext>
-                    </a:extLst>
-                  </p:cNvPr>
-                  <p:cNvSpPr/>
-                  <p:nvPr/>
-                </p:nvSpPr>
-                <p:spPr>
-                  <a:xfrm>
-                    <a:off x="9358557" y="4148938"/>
-                    <a:ext cx="788108" cy="249271"/>
-                  </a:xfrm>
-                  <a:prstGeom prst="roundRect">
-                    <a:avLst/>
-                  </a:prstGeom>
-                  <a:gradFill rotWithShape="1">
-                    <a:gsLst>
-                      <a:gs pos="0">
-                        <a:srgbClr val="84C350">
-                          <a:tint val="94000"/>
-                          <a:satMod val="105000"/>
-                          <a:lumMod val="102000"/>
-                        </a:srgbClr>
-                      </a:gs>
-                      <a:gs pos="100000">
-                        <a:srgbClr val="84C350">
-                          <a:shade val="74000"/>
-                          <a:satMod val="128000"/>
-                          <a:lumMod val="100000"/>
-                        </a:srgbClr>
-                      </a:gs>
-                    </a:gsLst>
-                    <a:lin ang="5400000" scaled="0"/>
-                  </a:gradFill>
-                  <a:ln>
-                    <a:noFill/>
-                  </a:ln>
-                  <a:effectLst>
-                    <a:outerShdw blurRad="57150" dist="19050" dir="5400000" algn="ctr" rotWithShape="0">
-                      <a:srgbClr val="000000">
-                        <a:alpha val="63000"/>
-                      </a:srgbClr>
-                    </a:outerShdw>
-                  </a:effectLst>
-                </p:spPr>
-                <p:txBody>
-                  <a:bodyPr rtlCol="0" anchor="ctr"/>
-                  <a:lstStyle/>
-                  <a:p>
-                    <a:pPr marL="0" marR="0" lvl="0" indent="0" algn="ctr" defTabSz="914400" eaLnBrk="1" fontAlgn="auto" latinLnBrk="0" hangingPunct="1">
-                      <a:lnSpc>
-                        <a:spcPct val="100000"/>
-                      </a:lnSpc>
-                      <a:spcBef>
-                        <a:spcPts val="0"/>
-                      </a:spcBef>
-                      <a:spcAft>
-                        <a:spcPts val="0"/>
-                      </a:spcAft>
-                      <a:buClrTx/>
-                      <a:buSzTx/>
-                      <a:buFontTx/>
-                      <a:buNone/>
-                      <a:tabLst/>
-                      <a:defRPr/>
-                    </a:pPr>
-                    <a:r>
-                      <a:rPr kumimoji="0" lang="en-US" altLang="zh-CN" sz="1400" b="1" i="0" u="none" strike="noStrike" kern="0" cap="none" spc="0" normalizeH="0" baseline="0" noProof="0">
-                        <a:ln>
-                          <a:noFill/>
-                        </a:ln>
-                        <a:solidFill>
-                          <a:prstClr val="white"/>
-                        </a:solidFill>
-                        <a:effectLst/>
-                        <a:uLnTx/>
-                        <a:uFillTx/>
-                        <a:latin typeface="微软雅黑" panose="020B0503020204020204" pitchFamily="34" charset="-122"/>
-                        <a:ea typeface="微软雅黑" panose="020B0503020204020204" pitchFamily="34" charset="-122"/>
-                        <a:cs typeface="+mn-cs"/>
-                      </a:rPr>
-                      <a:t>GDPR</a:t>
-                    </a:r>
-                    <a:endParaRPr kumimoji="0" lang="zh-CN" altLang="en-US" sz="1400" b="1" i="0" u="none" strike="noStrike" kern="0" cap="none" spc="0" normalizeH="0" baseline="0" noProof="0">
-                      <a:ln>
-                        <a:noFill/>
-                      </a:ln>
-                      <a:solidFill>
-                        <a:prstClr val="white"/>
-                      </a:solidFill>
-                      <a:effectLst/>
-                      <a:uLnTx/>
-                      <a:uFillTx/>
-                      <a:latin typeface="微软雅黑" panose="020B0503020204020204" pitchFamily="34" charset="-122"/>
-                      <a:ea typeface="微软雅黑" panose="020B0503020204020204" pitchFamily="34" charset="-122"/>
-                      <a:cs typeface="+mn-cs"/>
-                    </a:endParaRPr>
-                  </a:p>
-                </p:txBody>
-              </p:sp>
-              <p:sp>
-                <p:nvSpPr>
-                  <p:cNvPr id="44" name="圆角矩形 9">
-                    <a:extLst>
-                      <a:ext uri="{FF2B5EF4-FFF2-40B4-BE49-F238E27FC236}">
-                        <a16:creationId xmlns:a16="http://schemas.microsoft.com/office/drawing/2014/main" id="{8362C792-4686-4B01-8FB2-8D44791167B9}"/>
-                      </a:ext>
-                    </a:extLst>
-                  </p:cNvPr>
-                  <p:cNvSpPr/>
-                  <p:nvPr/>
-                </p:nvSpPr>
-                <p:spPr>
-                  <a:xfrm>
-                    <a:off x="5007457" y="3112314"/>
-                    <a:ext cx="889686" cy="248167"/>
-                  </a:xfrm>
-                  <a:prstGeom prst="roundRect">
-                    <a:avLst/>
-                  </a:prstGeom>
-                  <a:solidFill>
-                    <a:srgbClr val="FF9933"/>
-                  </a:solidFill>
-                  <a:ln>
-                    <a:noFill/>
-                  </a:ln>
-                  <a:effectLst>
-                    <a:outerShdw blurRad="57150" dist="19050" dir="5400000" algn="ctr" rotWithShape="0">
-                      <a:srgbClr val="000000">
-                        <a:alpha val="63000"/>
-                      </a:srgbClr>
-                    </a:outerShdw>
-                  </a:effectLst>
-                </p:spPr>
-                <p:txBody>
-                  <a:bodyPr rtlCol="0" anchor="ctr"/>
-                  <a:lstStyle/>
-                  <a:p>
-                    <a:pPr marL="0" marR="0" lvl="0" indent="0" algn="ctr" defTabSz="914400" eaLnBrk="1" fontAlgn="auto" latinLnBrk="0" hangingPunct="1">
-                      <a:lnSpc>
-                        <a:spcPct val="100000"/>
-                      </a:lnSpc>
-                      <a:spcBef>
-                        <a:spcPts val="0"/>
-                      </a:spcBef>
-                      <a:spcAft>
-                        <a:spcPts val="0"/>
-                      </a:spcAft>
-                      <a:buClrTx/>
-                      <a:buSzTx/>
-                      <a:buFontTx/>
-                      <a:buNone/>
-                      <a:tabLst/>
-                      <a:defRPr/>
-                    </a:pPr>
-                    <a:r>
-                      <a:rPr kumimoji="0" lang="zh-CN" altLang="en-US" sz="1600" b="1" i="0" u="none" strike="noStrike" kern="0" cap="none" spc="0" normalizeH="0" baseline="0" noProof="0">
-                        <a:ln>
-                          <a:noFill/>
-                        </a:ln>
-                        <a:solidFill>
-                          <a:prstClr val="white"/>
-                        </a:solidFill>
-                        <a:effectLst/>
-                        <a:uLnTx/>
-                        <a:uFillTx/>
-                        <a:latin typeface="微软雅黑" panose="020B0503020204020204" pitchFamily="34" charset="-122"/>
-                        <a:ea typeface="微软雅黑" panose="020B0503020204020204" pitchFamily="34" charset="-122"/>
-                        <a:cs typeface="+mn-cs"/>
-                      </a:rPr>
-                      <a:t>逆向</a:t>
-                    </a:r>
-                  </a:p>
-                </p:txBody>
-              </p:sp>
-              <p:sp>
-                <p:nvSpPr>
-                  <p:cNvPr id="45" name="圆角矩形 11">
-                    <a:extLst>
-                      <a:ext uri="{FF2B5EF4-FFF2-40B4-BE49-F238E27FC236}">
-                        <a16:creationId xmlns:a16="http://schemas.microsoft.com/office/drawing/2014/main" id="{E9121DEA-D39D-4823-92B3-78D896293958}"/>
-                      </a:ext>
-                    </a:extLst>
-                  </p:cNvPr>
-                  <p:cNvSpPr/>
-                  <p:nvPr/>
-                </p:nvSpPr>
-                <p:spPr>
-                  <a:xfrm>
-                    <a:off x="6216608" y="3112313"/>
-                    <a:ext cx="693990" cy="248167"/>
-                  </a:xfrm>
-                  <a:prstGeom prst="roundRect">
-                    <a:avLst/>
-                  </a:prstGeom>
-                  <a:solidFill>
-                    <a:srgbClr val="FF99CC"/>
-                  </a:solidFill>
-                  <a:ln>
-                    <a:noFill/>
-                  </a:ln>
-                  <a:effectLst>
-                    <a:outerShdw blurRad="57150" dist="19050" dir="5400000" algn="ctr" rotWithShape="0">
-                      <a:srgbClr val="000000">
-                        <a:alpha val="63000"/>
-                      </a:srgbClr>
-                    </a:outerShdw>
-                  </a:effectLst>
-                </p:spPr>
-                <p:txBody>
-                  <a:bodyPr rtlCol="0" anchor="ctr"/>
-                  <a:lstStyle/>
-                  <a:p>
-                    <a:pPr marL="0" marR="0" lvl="0" indent="0" algn="ctr" defTabSz="914400" eaLnBrk="1" fontAlgn="auto" latinLnBrk="0" hangingPunct="1">
-                      <a:lnSpc>
-                        <a:spcPct val="100000"/>
-                      </a:lnSpc>
-                      <a:spcBef>
-                        <a:spcPts val="0"/>
-                      </a:spcBef>
-                      <a:spcAft>
-                        <a:spcPts val="0"/>
-                      </a:spcAft>
-                      <a:buClrTx/>
-                      <a:buSzTx/>
-                      <a:buFontTx/>
-                      <a:buNone/>
-                      <a:tabLst/>
-                      <a:defRPr/>
-                    </a:pPr>
-                    <a:r>
-                      <a:rPr kumimoji="0" lang="en-US" altLang="zh-CN" sz="1600" b="1" i="0" u="none" strike="noStrike" kern="0" cap="none" spc="0" normalizeH="0" baseline="0" noProof="0" dirty="0">
-                        <a:ln>
-                          <a:noFill/>
-                        </a:ln>
-                        <a:solidFill>
-                          <a:prstClr val="white"/>
-                        </a:solidFill>
-                        <a:effectLst/>
-                        <a:uLnTx/>
-                        <a:uFillTx/>
-                        <a:latin typeface="微软雅黑" panose="020B0503020204020204" pitchFamily="34" charset="-122"/>
-                        <a:ea typeface="微软雅黑" panose="020B0503020204020204" pitchFamily="34" charset="-122"/>
-                        <a:cs typeface="+mn-cs"/>
-                      </a:rPr>
-                      <a:t>PWN</a:t>
-                    </a:r>
-                    <a:endParaRPr kumimoji="0" lang="zh-CN" altLang="en-US" sz="1600" b="1" i="0" u="none" strike="noStrike" kern="0" cap="none" spc="0" normalizeH="0" baseline="0" noProof="0" dirty="0">
-                      <a:ln>
-                        <a:noFill/>
-                      </a:ln>
-                      <a:solidFill>
-                        <a:prstClr val="white"/>
-                      </a:solidFill>
-                      <a:effectLst/>
-                      <a:uLnTx/>
-                      <a:uFillTx/>
-                      <a:latin typeface="微软雅黑" panose="020B0503020204020204" pitchFamily="34" charset="-122"/>
-                      <a:ea typeface="微软雅黑" panose="020B0503020204020204" pitchFamily="34" charset="-122"/>
-                      <a:cs typeface="+mn-cs"/>
-                    </a:endParaRPr>
-                  </a:p>
-                </p:txBody>
-              </p:sp>
-              <p:sp>
-                <p:nvSpPr>
-                  <p:cNvPr id="46" name="圆角矩形 12">
-                    <a:extLst>
-                      <a:ext uri="{FF2B5EF4-FFF2-40B4-BE49-F238E27FC236}">
-                        <a16:creationId xmlns:a16="http://schemas.microsoft.com/office/drawing/2014/main" id="{A6AFA0CE-8A4E-4C9F-9E15-F1F1F912768A}"/>
-                      </a:ext>
-                    </a:extLst>
-                  </p:cNvPr>
-                  <p:cNvSpPr/>
-                  <p:nvPr/>
-                </p:nvSpPr>
-                <p:spPr>
-                  <a:xfrm>
-                    <a:off x="7780631" y="3251304"/>
-                    <a:ext cx="889686" cy="248167"/>
-                  </a:xfrm>
-                  <a:prstGeom prst="roundRect">
-                    <a:avLst/>
-                  </a:prstGeom>
-                  <a:gradFill rotWithShape="1">
-                    <a:gsLst>
-                      <a:gs pos="0">
-                        <a:srgbClr val="A262D0">
-                          <a:tint val="94000"/>
-                          <a:satMod val="105000"/>
-                          <a:lumMod val="102000"/>
-                        </a:srgbClr>
-                      </a:gs>
-                      <a:gs pos="100000">
-                        <a:srgbClr val="A262D0">
-                          <a:shade val="74000"/>
-                          <a:satMod val="128000"/>
-                          <a:lumMod val="100000"/>
-                        </a:srgbClr>
-                      </a:gs>
-                    </a:gsLst>
-                    <a:lin ang="5400000" scaled="0"/>
-                  </a:gradFill>
-                  <a:ln>
-                    <a:noFill/>
-                  </a:ln>
-                  <a:effectLst>
-                    <a:outerShdw blurRad="57150" dist="19050" dir="5400000" algn="ctr" rotWithShape="0">
-                      <a:srgbClr val="000000">
-                        <a:alpha val="63000"/>
-                      </a:srgbClr>
-                    </a:outerShdw>
-                  </a:effectLst>
-                </p:spPr>
-                <p:txBody>
-                  <a:bodyPr rtlCol="0" anchor="ctr"/>
-                  <a:lstStyle/>
-                  <a:p>
-                    <a:pPr marL="0" marR="0" lvl="0" indent="0" algn="ctr" defTabSz="914400" eaLnBrk="1" fontAlgn="auto" latinLnBrk="0" hangingPunct="1">
-                      <a:lnSpc>
-                        <a:spcPct val="100000"/>
-                      </a:lnSpc>
-                      <a:spcBef>
-                        <a:spcPts val="0"/>
-                      </a:spcBef>
-                      <a:spcAft>
-                        <a:spcPts val="0"/>
-                      </a:spcAft>
-                      <a:buClrTx/>
-                      <a:buSzTx/>
-                      <a:buFontTx/>
-                      <a:buNone/>
-                      <a:tabLst/>
-                      <a:defRPr/>
-                    </a:pPr>
-                    <a:r>
-                      <a:rPr kumimoji="0" lang="en-US" altLang="zh-CN" sz="1400" b="1" i="0" u="none" strike="noStrike" kern="0" cap="none" spc="0" normalizeH="0" baseline="0" noProof="0" dirty="0">
-                        <a:ln>
-                          <a:noFill/>
-                        </a:ln>
-                        <a:solidFill>
-                          <a:prstClr val="white"/>
-                        </a:solidFill>
-                        <a:effectLst/>
-                        <a:uLnTx/>
-                        <a:uFillTx/>
-                        <a:latin typeface="微软雅黑" panose="020B0503020204020204" pitchFamily="34" charset="-122"/>
-                        <a:ea typeface="微软雅黑" panose="020B0503020204020204" pitchFamily="34" charset="-122"/>
-                        <a:cs typeface="+mn-cs"/>
-                      </a:rPr>
-                      <a:t>Fuzz</a:t>
-                    </a:r>
-                    <a:endParaRPr kumimoji="0" lang="zh-CN" altLang="en-US" sz="1400" b="1" i="0" u="none" strike="noStrike" kern="0" cap="none" spc="0" normalizeH="0" baseline="0" noProof="0" dirty="0">
-                      <a:ln>
-                        <a:noFill/>
-                      </a:ln>
-                      <a:solidFill>
-                        <a:prstClr val="white"/>
-                      </a:solidFill>
-                      <a:effectLst/>
-                      <a:uLnTx/>
-                      <a:uFillTx/>
-                      <a:latin typeface="微软雅黑" panose="020B0503020204020204" pitchFamily="34" charset="-122"/>
-                      <a:ea typeface="微软雅黑" panose="020B0503020204020204" pitchFamily="34" charset="-122"/>
-                      <a:cs typeface="+mn-cs"/>
-                    </a:endParaRPr>
-                  </a:p>
-                </p:txBody>
-              </p:sp>
-              <p:sp>
-                <p:nvSpPr>
-                  <p:cNvPr id="47" name="圆角矩形 13">
-                    <a:extLst>
-                      <a:ext uri="{FF2B5EF4-FFF2-40B4-BE49-F238E27FC236}">
-                        <a16:creationId xmlns:a16="http://schemas.microsoft.com/office/drawing/2014/main" id="{EE528CF6-BB0E-4CF3-B0F2-B2DB4BD9299B}"/>
-                      </a:ext>
-                    </a:extLst>
-                  </p:cNvPr>
-                  <p:cNvSpPr/>
-                  <p:nvPr/>
-                </p:nvSpPr>
-                <p:spPr>
-                  <a:xfrm>
-                    <a:off x="7429717" y="2766612"/>
-                    <a:ext cx="704239" cy="248167"/>
-                  </a:xfrm>
-                  <a:prstGeom prst="roundRect">
-                    <a:avLst/>
-                  </a:prstGeom>
-                  <a:solidFill>
-                    <a:srgbClr val="00B0F0"/>
-                  </a:solidFill>
-                  <a:ln>
-                    <a:noFill/>
-                  </a:ln>
-                  <a:effectLst>
-                    <a:outerShdw blurRad="57150" dist="19050" dir="5400000" algn="ctr" rotWithShape="0">
-                      <a:srgbClr val="000000">
-                        <a:alpha val="63000"/>
-                      </a:srgbClr>
-                    </a:outerShdw>
-                  </a:effectLst>
-                </p:spPr>
-                <p:txBody>
-                  <a:bodyPr rtlCol="0" anchor="ctr"/>
-                  <a:lstStyle/>
-                  <a:p>
-                    <a:pPr marL="0" marR="0" lvl="0" indent="0" algn="ctr" defTabSz="914400" eaLnBrk="1" fontAlgn="auto" latinLnBrk="0" hangingPunct="1">
-                      <a:lnSpc>
-                        <a:spcPct val="100000"/>
-                      </a:lnSpc>
-                      <a:spcBef>
-                        <a:spcPts val="0"/>
-                      </a:spcBef>
-                      <a:spcAft>
-                        <a:spcPts val="0"/>
-                      </a:spcAft>
-                      <a:buClrTx/>
-                      <a:buSzTx/>
-                      <a:buFontTx/>
-                      <a:buNone/>
-                      <a:tabLst/>
-                      <a:defRPr/>
-                    </a:pPr>
-                    <a:r>
-                      <a:rPr kumimoji="0" lang="en-US" altLang="zh-CN" sz="1400" b="1" i="0" u="none" strike="noStrike" kern="0" cap="none" spc="0" normalizeH="0" baseline="0" noProof="0">
-                        <a:ln>
-                          <a:noFill/>
-                        </a:ln>
-                        <a:solidFill>
-                          <a:prstClr val="white"/>
-                        </a:solidFill>
-                        <a:effectLst/>
-                        <a:uLnTx/>
-                        <a:uFillTx/>
-                        <a:latin typeface="微软雅黑" panose="020B0503020204020204" pitchFamily="34" charset="-122"/>
-                        <a:ea typeface="微软雅黑" panose="020B0503020204020204" pitchFamily="34" charset="-122"/>
-                        <a:cs typeface="+mn-cs"/>
-                      </a:rPr>
-                      <a:t>AFL</a:t>
-                    </a:r>
-                    <a:endParaRPr kumimoji="0" lang="zh-CN" altLang="en-US" sz="1400" b="1" i="0" u="none" strike="noStrike" kern="0" cap="none" spc="0" normalizeH="0" baseline="0" noProof="0">
-                      <a:ln>
-                        <a:noFill/>
-                      </a:ln>
-                      <a:solidFill>
-                        <a:prstClr val="white"/>
-                      </a:solidFill>
-                      <a:effectLst/>
-                      <a:uLnTx/>
-                      <a:uFillTx/>
-                      <a:latin typeface="微软雅黑" panose="020B0503020204020204" pitchFamily="34" charset="-122"/>
-                      <a:ea typeface="微软雅黑" panose="020B0503020204020204" pitchFamily="34" charset="-122"/>
-                      <a:cs typeface="+mn-cs"/>
-                    </a:endParaRPr>
-                  </a:p>
-                </p:txBody>
-              </p:sp>
-              <p:sp>
-                <p:nvSpPr>
-                  <p:cNvPr id="48" name="圆角矩形 14">
-                    <a:extLst>
-                      <a:ext uri="{FF2B5EF4-FFF2-40B4-BE49-F238E27FC236}">
-                        <a16:creationId xmlns:a16="http://schemas.microsoft.com/office/drawing/2014/main" id="{FBB14B81-8BDB-4547-8231-A2F7DDD8D60C}"/>
-                      </a:ext>
-                    </a:extLst>
-                  </p:cNvPr>
-                  <p:cNvSpPr/>
-                  <p:nvPr/>
-                </p:nvSpPr>
-                <p:spPr>
-                  <a:xfrm>
-                    <a:off x="8405593" y="2763001"/>
-                    <a:ext cx="1599725" cy="248167"/>
-                  </a:xfrm>
-                  <a:prstGeom prst="roundRect">
-                    <a:avLst/>
-                  </a:prstGeom>
-                  <a:gradFill rotWithShape="1">
-                    <a:gsLst>
-                      <a:gs pos="0">
-                        <a:srgbClr val="A262D0">
-                          <a:tint val="94000"/>
-                          <a:satMod val="105000"/>
-                          <a:lumMod val="102000"/>
-                        </a:srgbClr>
-                      </a:gs>
-                      <a:gs pos="100000">
-                        <a:srgbClr val="A262D0">
-                          <a:shade val="74000"/>
-                          <a:satMod val="128000"/>
-                          <a:lumMod val="100000"/>
-                        </a:srgbClr>
-                      </a:gs>
-                    </a:gsLst>
-                    <a:lin ang="5400000" scaled="0"/>
-                  </a:gradFill>
-                  <a:ln>
-                    <a:noFill/>
-                  </a:ln>
-                  <a:effectLst>
-                    <a:outerShdw blurRad="57150" dist="19050" dir="5400000" algn="ctr" rotWithShape="0">
-                      <a:srgbClr val="000000">
-                        <a:alpha val="63000"/>
-                      </a:srgbClr>
-                    </a:outerShdw>
-                  </a:effectLst>
-                </p:spPr>
-                <p:txBody>
-                  <a:bodyPr rtlCol="0" anchor="ctr"/>
-                  <a:lstStyle/>
-                  <a:p>
-                    <a:pPr marL="0" marR="0" lvl="0" indent="0" algn="ctr" defTabSz="914400" eaLnBrk="1" fontAlgn="auto" latinLnBrk="0" hangingPunct="1">
-                      <a:lnSpc>
-                        <a:spcPct val="100000"/>
-                      </a:lnSpc>
-                      <a:spcBef>
-                        <a:spcPts val="0"/>
-                      </a:spcBef>
-                      <a:spcAft>
-                        <a:spcPts val="0"/>
-                      </a:spcAft>
-                      <a:buClrTx/>
-                      <a:buSzTx/>
-                      <a:buFontTx/>
-                      <a:buNone/>
-                      <a:tabLst/>
-                      <a:defRPr/>
-                    </a:pPr>
-                    <a:r>
-                      <a:rPr kumimoji="0" lang="en-US" altLang="zh-CN" sz="1400" b="1" i="0" u="none" strike="noStrike" kern="0" cap="none" spc="0" normalizeH="0" baseline="0" noProof="0">
-                        <a:ln>
-                          <a:noFill/>
-                        </a:ln>
-                        <a:solidFill>
-                          <a:prstClr val="white"/>
-                        </a:solidFill>
-                        <a:effectLst/>
-                        <a:uLnTx/>
-                        <a:uFillTx/>
-                        <a:latin typeface="微软雅黑" panose="020B0503020204020204" pitchFamily="34" charset="-122"/>
-                        <a:ea typeface="微软雅黑" panose="020B0503020204020204" pitchFamily="34" charset="-122"/>
-                        <a:cs typeface="+mn-cs"/>
-                      </a:rPr>
-                      <a:t>Peach/Defensices</a:t>
-                    </a:r>
-                  </a:p>
-                </p:txBody>
-              </p:sp>
-              <p:sp>
-                <p:nvSpPr>
-                  <p:cNvPr id="49" name="圆角矩形 15">
-                    <a:extLst>
-                      <a:ext uri="{FF2B5EF4-FFF2-40B4-BE49-F238E27FC236}">
-                        <a16:creationId xmlns:a16="http://schemas.microsoft.com/office/drawing/2014/main" id="{0DC9352C-44EF-41E4-8BEC-798C40682CFA}"/>
-                      </a:ext>
-                    </a:extLst>
-                  </p:cNvPr>
-                  <p:cNvSpPr/>
-                  <p:nvPr/>
-                </p:nvSpPr>
-                <p:spPr>
-                  <a:xfrm>
-                    <a:off x="3970995" y="3129939"/>
-                    <a:ext cx="702227" cy="248167"/>
-                  </a:xfrm>
-                  <a:prstGeom prst="roundRect">
-                    <a:avLst/>
-                  </a:prstGeom>
-                  <a:gradFill rotWithShape="1">
-                    <a:gsLst>
-                      <a:gs pos="0">
-                        <a:srgbClr val="54BCDF">
-                          <a:tint val="94000"/>
-                          <a:satMod val="105000"/>
-                          <a:lumMod val="102000"/>
-                        </a:srgbClr>
-                      </a:gs>
-                      <a:gs pos="100000">
-                        <a:srgbClr val="54BCDF">
-                          <a:shade val="74000"/>
-                          <a:satMod val="128000"/>
-                          <a:lumMod val="100000"/>
-                        </a:srgbClr>
-                      </a:gs>
-                    </a:gsLst>
-                    <a:lin ang="5400000" scaled="0"/>
-                  </a:gradFill>
-                  <a:ln>
-                    <a:noFill/>
-                  </a:ln>
-                  <a:effectLst>
-                    <a:outerShdw blurRad="57150" dist="19050" dir="5400000" algn="ctr" rotWithShape="0">
-                      <a:srgbClr val="000000">
-                        <a:alpha val="63000"/>
-                      </a:srgbClr>
-                    </a:outerShdw>
-                  </a:effectLst>
-                </p:spPr>
-                <p:txBody>
-                  <a:bodyPr rtlCol="0" anchor="ctr"/>
-                  <a:lstStyle/>
-                  <a:p>
-                    <a:pPr marL="0" marR="0" lvl="0" indent="0" algn="ctr" defTabSz="914400" eaLnBrk="1" fontAlgn="auto" latinLnBrk="0" hangingPunct="1">
-                      <a:lnSpc>
-                        <a:spcPct val="100000"/>
-                      </a:lnSpc>
-                      <a:spcBef>
-                        <a:spcPts val="0"/>
-                      </a:spcBef>
-                      <a:spcAft>
-                        <a:spcPts val="0"/>
-                      </a:spcAft>
-                      <a:buClrTx/>
-                      <a:buSzTx/>
-                      <a:buFontTx/>
-                      <a:buNone/>
-                      <a:tabLst/>
-                      <a:defRPr/>
-                    </a:pPr>
-                    <a:r>
-                      <a:rPr kumimoji="0" lang="zh-CN" altLang="en-US" sz="1400" b="1" i="0" u="none" strike="noStrike" kern="0" cap="none" spc="0" normalizeH="0" baseline="0" noProof="0" dirty="0">
-                        <a:ln>
-                          <a:noFill/>
-                        </a:ln>
-                        <a:solidFill>
-                          <a:prstClr val="white"/>
-                        </a:solidFill>
-                        <a:effectLst/>
-                        <a:uLnTx/>
-                        <a:uFillTx/>
-                        <a:latin typeface="微软雅黑" panose="020B0503020204020204" pitchFamily="34" charset="-122"/>
-                        <a:ea typeface="微软雅黑" panose="020B0503020204020204" pitchFamily="34" charset="-122"/>
-                        <a:cs typeface="+mn-cs"/>
-                      </a:rPr>
-                      <a:t>固件</a:t>
-                    </a:r>
-                  </a:p>
-                </p:txBody>
-              </p:sp>
-              <p:sp>
-                <p:nvSpPr>
-                  <p:cNvPr id="50" name="圆角矩形 21">
-                    <a:extLst>
-                      <a:ext uri="{FF2B5EF4-FFF2-40B4-BE49-F238E27FC236}">
-                        <a16:creationId xmlns:a16="http://schemas.microsoft.com/office/drawing/2014/main" id="{37F6763B-240C-4DD7-AEA3-D67E523EEBFB}"/>
-                      </a:ext>
-                    </a:extLst>
-                  </p:cNvPr>
-                  <p:cNvSpPr/>
-                  <p:nvPr/>
-                </p:nvSpPr>
-                <p:spPr>
-                  <a:xfrm>
-                    <a:off x="5497750" y="2759684"/>
-                    <a:ext cx="702227" cy="248167"/>
-                  </a:xfrm>
-                  <a:prstGeom prst="roundRect">
-                    <a:avLst/>
-                  </a:prstGeom>
-                  <a:solidFill>
-                    <a:srgbClr val="00B050"/>
-                  </a:solidFill>
-                  <a:ln>
-                    <a:noFill/>
-                  </a:ln>
-                  <a:effectLst>
-                    <a:outerShdw blurRad="57150" dist="19050" dir="5400000" algn="ctr" rotWithShape="0">
-                      <a:srgbClr val="000000">
-                        <a:alpha val="63000"/>
-                      </a:srgbClr>
-                    </a:outerShdw>
-                  </a:effectLst>
-                </p:spPr>
-                <p:txBody>
-                  <a:bodyPr rtlCol="0" anchor="ctr"/>
-                  <a:lstStyle/>
-                  <a:p>
-                    <a:pPr marL="0" marR="0" lvl="0" indent="0" algn="ctr" defTabSz="914400" eaLnBrk="1" fontAlgn="auto" latinLnBrk="0" hangingPunct="1">
-                      <a:lnSpc>
-                        <a:spcPct val="100000"/>
-                      </a:lnSpc>
-                      <a:spcBef>
-                        <a:spcPts val="0"/>
-                      </a:spcBef>
-                      <a:spcAft>
-                        <a:spcPts val="0"/>
-                      </a:spcAft>
-                      <a:buClrTx/>
-                      <a:buSzTx/>
-                      <a:buFontTx/>
-                      <a:buNone/>
-                      <a:tabLst/>
-                      <a:defRPr/>
-                    </a:pPr>
-                    <a:r>
-                      <a:rPr kumimoji="0" lang="zh-CN" altLang="en-US" sz="1600" b="1" i="0" u="none" strike="noStrike" kern="0" cap="none" spc="0" normalizeH="0" baseline="0" noProof="0">
-                        <a:ln>
-                          <a:noFill/>
-                        </a:ln>
-                        <a:solidFill>
-                          <a:prstClr val="white"/>
-                        </a:solidFill>
-                        <a:effectLst/>
-                        <a:uLnTx/>
-                        <a:uFillTx/>
-                        <a:latin typeface="微软雅黑" panose="020B0503020204020204" pitchFamily="34" charset="-122"/>
-                        <a:ea typeface="微软雅黑" panose="020B0503020204020204" pitchFamily="34" charset="-122"/>
-                        <a:cs typeface="+mn-cs"/>
-                      </a:rPr>
-                      <a:t>仿真</a:t>
-                    </a:r>
-                  </a:p>
-                </p:txBody>
-              </p:sp>
-              <p:sp>
-                <p:nvSpPr>
-                  <p:cNvPr id="51" name="文本框 50">
-                    <a:extLst>
-                      <a:ext uri="{FF2B5EF4-FFF2-40B4-BE49-F238E27FC236}">
-                        <a16:creationId xmlns:a16="http://schemas.microsoft.com/office/drawing/2014/main" id="{DD606741-F62E-4F25-BF44-37FD5BD68B94}"/>
-                      </a:ext>
-                    </a:extLst>
-                  </p:cNvPr>
-                  <p:cNvSpPr txBox="1"/>
-                  <p:nvPr/>
-                </p:nvSpPr>
-                <p:spPr>
-                  <a:xfrm>
-                    <a:off x="6837436" y="2521516"/>
-                    <a:ext cx="1410068" cy="212563"/>
-                  </a:xfrm>
-                  <a:prstGeom prst="rect">
-                    <a:avLst/>
-                  </a:prstGeom>
-                  <a:noFill/>
-                </p:spPr>
-                <p:txBody>
-                  <a:bodyPr wrap="square" rtlCol="0">
-                    <a:spAutoFit/>
-                  </a:bodyPr>
-                  <a:lstStyle/>
-                  <a:p>
-                    <a:pPr marL="0" marR="0" lvl="0" indent="0" defTabSz="914400" eaLnBrk="1" fontAlgn="auto" latinLnBrk="0" hangingPunct="1">
-                      <a:lnSpc>
-                        <a:spcPct val="100000"/>
-                      </a:lnSpc>
-                      <a:spcBef>
-                        <a:spcPts val="0"/>
-                      </a:spcBef>
-                      <a:spcAft>
-                        <a:spcPts val="0"/>
-                      </a:spcAft>
-                      <a:buClrTx/>
-                      <a:buSzTx/>
-                      <a:buFontTx/>
-                      <a:buNone/>
-                      <a:tabLst/>
-                      <a:defRPr/>
-                    </a:pPr>
-                    <a:r>
-                      <a:rPr kumimoji="0" lang="en-US" altLang="zh-CN" sz="1200" b="0" i="0" u="none" strike="noStrike" kern="0" cap="none" spc="0" normalizeH="0" baseline="0" noProof="0">
-                        <a:ln>
-                          <a:noFill/>
-                        </a:ln>
-                        <a:solidFill>
-                          <a:prstClr val="white"/>
-                        </a:solidFill>
-                        <a:effectLst/>
-                        <a:uLnTx/>
-                        <a:uFillTx/>
-                        <a:latin typeface="Tw Cen MT" panose="020B0602020104020603"/>
-                        <a:ea typeface="宋体" panose="02010600030101010101" pitchFamily="2" charset="-122"/>
-                        <a:hlinkClick r:id="rId5"/>
-                      </a:rPr>
-                      <a:t>CVE-2021-30123</a:t>
-                    </a:r>
-                    <a:endParaRPr kumimoji="0" lang="zh-CN" altLang="en-US" sz="1200" b="0" i="0" u="none" strike="noStrike" kern="0" cap="none" spc="0" normalizeH="0" baseline="0" noProof="0">
-                      <a:ln>
-                        <a:noFill/>
-                      </a:ln>
-                      <a:solidFill>
-                        <a:prstClr val="white"/>
-                      </a:solidFill>
-                      <a:effectLst/>
-                      <a:uLnTx/>
-                      <a:uFillTx/>
-                      <a:latin typeface="Tw Cen MT" panose="020B0602020104020603"/>
-                      <a:ea typeface="宋体" panose="02010600030101010101" pitchFamily="2" charset="-122"/>
-                    </a:endParaRPr>
-                  </a:p>
-                </p:txBody>
-              </p:sp>
-              <p:sp>
-                <p:nvSpPr>
-                  <p:cNvPr id="52" name="文本框 51">
-                    <a:extLst>
-                      <a:ext uri="{FF2B5EF4-FFF2-40B4-BE49-F238E27FC236}">
-                        <a16:creationId xmlns:a16="http://schemas.microsoft.com/office/drawing/2014/main" id="{075E543A-DF27-4FBF-A4E8-0FC67DF77B7B}"/>
-                      </a:ext>
-                    </a:extLst>
-                  </p:cNvPr>
-                  <p:cNvSpPr txBox="1"/>
-                  <p:nvPr/>
-                </p:nvSpPr>
-                <p:spPr>
-                  <a:xfrm>
-                    <a:off x="3935515" y="2521516"/>
-                    <a:ext cx="1410068" cy="495981"/>
-                  </a:xfrm>
-                  <a:prstGeom prst="rect">
-                    <a:avLst/>
-                  </a:prstGeom>
-                  <a:noFill/>
-                </p:spPr>
-                <p:txBody>
-                  <a:bodyPr wrap="square" rtlCol="0">
-                    <a:spAutoFit/>
-                  </a:bodyPr>
-                  <a:lstStyle/>
-                  <a:p>
-                    <a:pPr marL="0" marR="0" lvl="0" indent="0" defTabSz="914400" eaLnBrk="1" fontAlgn="auto" latinLnBrk="0" hangingPunct="1">
-                      <a:lnSpc>
-                        <a:spcPct val="100000"/>
-                      </a:lnSpc>
-                      <a:spcBef>
-                        <a:spcPts val="0"/>
-                      </a:spcBef>
-                      <a:spcAft>
-                        <a:spcPts val="0"/>
-                      </a:spcAft>
-                      <a:buClrTx/>
-                      <a:buSzTx/>
-                      <a:buFontTx/>
-                      <a:buNone/>
-                      <a:tabLst/>
-                      <a:defRPr/>
-                    </a:pPr>
-                    <a:r>
-                      <a:rPr kumimoji="0" lang="en-US" altLang="zh-CN" sz="1200" b="0" i="0" u="sng" strike="noStrike" kern="0" cap="none" spc="0" normalizeH="0" baseline="0" noProof="0">
-                        <a:ln>
-                          <a:noFill/>
-                        </a:ln>
-                        <a:solidFill>
-                          <a:prstClr val="white"/>
-                        </a:solidFill>
-                        <a:effectLst/>
-                        <a:uLnTx/>
-                        <a:uFillTx/>
-                        <a:latin typeface="Tw Cen MT" panose="020B0602020104020603"/>
-                        <a:ea typeface="宋体" panose="02010600030101010101" pitchFamily="2" charset="-122"/>
-                        <a:hlinkClick r:id="rId6" tooltip="CVE-2021-29302"/>
-                      </a:rPr>
-                      <a:t>CVE-2021-29302</a:t>
-                    </a:r>
-                    <a:endParaRPr kumimoji="0" lang="en-US" altLang="zh-CN" sz="1200" b="0" i="0" u="sng" strike="noStrike" kern="0" cap="none" spc="0" normalizeH="0" baseline="0" noProof="0">
-                      <a:ln>
-                        <a:noFill/>
-                      </a:ln>
-                      <a:solidFill>
-                        <a:prstClr val="white"/>
-                      </a:solidFill>
-                      <a:effectLst/>
-                      <a:uLnTx/>
-                      <a:uFillTx/>
-                      <a:latin typeface="Tw Cen MT" panose="020B0602020104020603"/>
-                      <a:ea typeface="宋体" panose="02010600030101010101" pitchFamily="2" charset="-122"/>
-                    </a:endParaRPr>
-                  </a:p>
-                  <a:p>
-                    <a:pPr marL="0" marR="0" lvl="0" indent="0" defTabSz="914400" eaLnBrk="1" fontAlgn="auto" latinLnBrk="0" hangingPunct="1">
-                      <a:lnSpc>
-                        <a:spcPct val="100000"/>
-                      </a:lnSpc>
-                      <a:spcBef>
-                        <a:spcPts val="0"/>
-                      </a:spcBef>
-                      <a:spcAft>
-                        <a:spcPts val="0"/>
-                      </a:spcAft>
-                      <a:buClrTx/>
-                      <a:buSzTx/>
-                      <a:buFontTx/>
-                      <a:buNone/>
-                      <a:tabLst/>
-                      <a:defRPr/>
-                    </a:pPr>
-                    <a:r>
-                      <a:rPr kumimoji="0" lang="en-US" altLang="zh-CN" sz="1200" b="0" i="0" u="sng" strike="noStrike" kern="0" cap="none" spc="0" normalizeH="0" baseline="0" noProof="0">
-                        <a:ln>
-                          <a:noFill/>
-                        </a:ln>
-                        <a:solidFill>
-                          <a:prstClr val="white"/>
-                        </a:solidFill>
-                        <a:effectLst/>
-                        <a:uLnTx/>
-                        <a:uFillTx/>
-                        <a:latin typeface="Tw Cen MT" panose="020B0602020104020603"/>
-                        <a:ea typeface="宋体" panose="02010600030101010101" pitchFamily="2" charset="-122"/>
-                        <a:hlinkClick r:id="rId7" tooltip="CVE-2021-34202"/>
-                      </a:rPr>
-                      <a:t>CVE-2021-34202</a:t>
-                    </a:r>
-                    <a:endParaRPr kumimoji="0" lang="en-US" altLang="zh-CN" sz="1200" b="0" i="0" u="sng" strike="noStrike" kern="0" cap="none" spc="0" normalizeH="0" baseline="0" noProof="0">
-                      <a:ln>
-                        <a:noFill/>
-                      </a:ln>
-                      <a:solidFill>
-                        <a:prstClr val="white"/>
-                      </a:solidFill>
-                      <a:effectLst/>
-                      <a:uLnTx/>
-                      <a:uFillTx/>
-                      <a:latin typeface="Tw Cen MT" panose="020B0602020104020603"/>
-                      <a:ea typeface="宋体" panose="02010600030101010101" pitchFamily="2" charset="-122"/>
-                    </a:endParaRPr>
-                  </a:p>
-                  <a:p>
-                    <a:pPr marL="0" marR="0" lvl="0" indent="0" defTabSz="914400" eaLnBrk="1" fontAlgn="auto" latinLnBrk="0" hangingPunct="1">
-                      <a:lnSpc>
-                        <a:spcPct val="100000"/>
-                      </a:lnSpc>
-                      <a:spcBef>
-                        <a:spcPts val="0"/>
-                      </a:spcBef>
-                      <a:spcAft>
-                        <a:spcPts val="0"/>
-                      </a:spcAft>
-                      <a:buClrTx/>
-                      <a:buSzTx/>
-                      <a:buFontTx/>
-                      <a:buNone/>
-                      <a:tabLst/>
-                      <a:defRPr/>
-                    </a:pPr>
-                    <a:r>
-                      <a:rPr kumimoji="0" lang="en-US" altLang="zh-CN" sz="1200" b="0" i="0" u="sng" strike="noStrike" kern="0" cap="none" spc="0" normalizeH="0" baseline="0" noProof="0">
-                        <a:ln>
-                          <a:noFill/>
-                        </a:ln>
-                        <a:solidFill>
-                          <a:prstClr val="white"/>
-                        </a:solidFill>
-                        <a:effectLst/>
-                        <a:uLnTx/>
-                        <a:uFillTx/>
-                        <a:latin typeface="Tw Cen MT" panose="020B0602020104020603"/>
-                        <a:ea typeface="宋体" panose="02010600030101010101" pitchFamily="2" charset="-122"/>
-                        <a:hlinkClick r:id="rId7" tooltip="CVE-2021-34202"/>
-                      </a:rPr>
-                      <a:t>CVE-2021-34203</a:t>
-                    </a:r>
-                    <a:endParaRPr kumimoji="0" lang="zh-CN" altLang="en-US" sz="1200" b="0" i="0" u="none" strike="noStrike" kern="0" cap="none" spc="0" normalizeH="0" baseline="0" noProof="0">
-                      <a:ln>
-                        <a:noFill/>
-                      </a:ln>
-                      <a:solidFill>
-                        <a:prstClr val="white"/>
-                      </a:solidFill>
-                      <a:effectLst/>
-                      <a:uLnTx/>
-                      <a:uFillTx/>
-                      <a:latin typeface="Tw Cen MT" panose="020B0602020104020603"/>
-                      <a:ea typeface="宋体" panose="02010600030101010101" pitchFamily="2" charset="-122"/>
-                    </a:endParaRPr>
-                  </a:p>
-                </p:txBody>
-              </p:sp>
-              <p:sp>
-                <p:nvSpPr>
-                  <p:cNvPr id="53" name="矩形 52">
-                    <a:extLst>
-                      <a:ext uri="{FF2B5EF4-FFF2-40B4-BE49-F238E27FC236}">
-                        <a16:creationId xmlns:a16="http://schemas.microsoft.com/office/drawing/2014/main" id="{102ADBAF-AC21-4A8E-92CB-04B1578DD0E1}"/>
-                      </a:ext>
-                    </a:extLst>
-                  </p:cNvPr>
-                  <p:cNvSpPr/>
-                  <p:nvPr/>
-                </p:nvSpPr>
-                <p:spPr>
-                  <a:xfrm>
-                    <a:off x="8677573" y="3035131"/>
-                    <a:ext cx="1361967" cy="354272"/>
-                  </a:xfrm>
-                  <a:prstGeom prst="rect">
-                    <a:avLst/>
-                  </a:prstGeom>
-                  <a:noFill/>
-                </p:spPr>
-                <p:txBody>
-                  <a:bodyPr wrap="square" rtlCol="0">
-                    <a:spAutoFit/>
-                  </a:bodyPr>
-                  <a:lstStyle/>
-                  <a:p>
-                    <a:pPr marL="0" marR="0" lvl="0" indent="0" defTabSz="914400" eaLnBrk="1" fontAlgn="auto" latinLnBrk="0" hangingPunct="1">
-                      <a:lnSpc>
-                        <a:spcPct val="100000"/>
-                      </a:lnSpc>
-                      <a:spcBef>
-                        <a:spcPts val="0"/>
-                      </a:spcBef>
-                      <a:spcAft>
-                        <a:spcPts val="0"/>
-                      </a:spcAft>
-                      <a:buClrTx/>
-                      <a:buSzTx/>
-                      <a:buFontTx/>
-                      <a:buNone/>
-                      <a:tabLst/>
-                      <a:defRPr/>
-                    </a:pPr>
-                    <a:r>
-                      <a:rPr kumimoji="0" lang="en-US" altLang="zh-CN" sz="1200" b="0" i="0" u="none" strike="noStrike" kern="0" cap="none" spc="0" normalizeH="0" baseline="0" noProof="0">
-                        <a:ln>
-                          <a:noFill/>
-                        </a:ln>
-                        <a:solidFill>
-                          <a:srgbClr val="A262D0">
-                            <a:lumMod val="40000"/>
-                            <a:lumOff val="60000"/>
-                          </a:srgbClr>
-                        </a:solidFill>
-                        <a:effectLst/>
-                        <a:uLnTx/>
-                        <a:uFillTx/>
-                        <a:latin typeface="Tw Cen MT" panose="020B0602020104020603"/>
-                        <a:ea typeface="宋体" panose="02010600030101010101" pitchFamily="2" charset="-122"/>
-                      </a:rPr>
-                      <a:t>Android bug id</a:t>
-                    </a:r>
-                  </a:p>
-                  <a:p>
-                    <a:pPr marL="0" marR="0" lvl="0" indent="0" defTabSz="914400" eaLnBrk="1" fontAlgn="auto" latinLnBrk="0" hangingPunct="1">
-                      <a:lnSpc>
-                        <a:spcPct val="100000"/>
-                      </a:lnSpc>
-                      <a:spcBef>
-                        <a:spcPts val="0"/>
-                      </a:spcBef>
-                      <a:spcAft>
-                        <a:spcPts val="0"/>
-                      </a:spcAft>
-                      <a:buClrTx/>
-                      <a:buSzTx/>
-                      <a:buFontTx/>
-                      <a:buNone/>
-                      <a:tabLst/>
-                      <a:defRPr/>
-                    </a:pPr>
-                    <a:r>
-                      <a:rPr kumimoji="0" lang="zh-CN" altLang="en-US" sz="1200" b="0" i="0" u="none" strike="noStrike" kern="0" cap="none" spc="0" normalizeH="0" baseline="0" noProof="0">
-                        <a:ln>
-                          <a:noFill/>
-                        </a:ln>
-                        <a:solidFill>
-                          <a:srgbClr val="A262D0">
-                            <a:lumMod val="40000"/>
-                            <a:lumOff val="60000"/>
-                          </a:srgbClr>
-                        </a:solidFill>
-                        <a:effectLst/>
-                        <a:uLnTx/>
-                        <a:uFillTx/>
-                        <a:latin typeface="Tw Cen MT" panose="020B0602020104020603"/>
-                        <a:ea typeface="宋体" panose="02010600030101010101" pitchFamily="2" charset="-122"/>
-                      </a:rPr>
-                      <a:t>178637310</a:t>
-                    </a:r>
-                  </a:p>
-                </p:txBody>
-              </p:sp>
-              <p:sp>
-                <p:nvSpPr>
-                  <p:cNvPr id="54" name="任意多边形 40">
-                    <a:extLst>
-                      <a:ext uri="{FF2B5EF4-FFF2-40B4-BE49-F238E27FC236}">
-                        <a16:creationId xmlns:a16="http://schemas.microsoft.com/office/drawing/2014/main" id="{2C489ABB-B3B2-4F53-A674-63636C0E0EF0}"/>
-                      </a:ext>
-                    </a:extLst>
-                  </p:cNvPr>
-                  <p:cNvSpPr/>
-                  <p:nvPr/>
-                </p:nvSpPr>
-                <p:spPr>
-                  <a:xfrm>
-                    <a:off x="3698789" y="3738716"/>
-                    <a:ext cx="6664411" cy="447627"/>
-                  </a:xfrm>
-                  <a:custGeom>
-                    <a:avLst/>
-                    <a:gdLst>
-                      <a:gd name="connsiteX0" fmla="*/ 0 w 6664411"/>
-                      <a:gd name="connsiteY0" fmla="*/ 133068 h 447627"/>
-                      <a:gd name="connsiteX1" fmla="*/ 1293341 w 6664411"/>
-                      <a:gd name="connsiteY1" fmla="*/ 446106 h 447627"/>
-                      <a:gd name="connsiteX2" fmla="*/ 3023287 w 6664411"/>
-                      <a:gd name="connsiteY2" fmla="*/ 17738 h 447627"/>
-                      <a:gd name="connsiteX3" fmla="*/ 6664411 w 6664411"/>
-                      <a:gd name="connsiteY3" fmla="*/ 75403 h 447627"/>
-                    </a:gdLst>
-                    <a:ahLst/>
-                    <a:cxnLst>
-                      <a:cxn ang="0">
-                        <a:pos x="connsiteX0" y="connsiteY0"/>
-                      </a:cxn>
-                      <a:cxn ang="0">
-                        <a:pos x="connsiteX1" y="connsiteY1"/>
-                      </a:cxn>
-                      <a:cxn ang="0">
-                        <a:pos x="connsiteX2" y="connsiteY2"/>
-                      </a:cxn>
-                      <a:cxn ang="0">
-                        <a:pos x="connsiteX3" y="connsiteY3"/>
-                      </a:cxn>
-                    </a:cxnLst>
-                    <a:rect l="l" t="t" r="r" b="b"/>
-                    <a:pathLst>
-                      <a:path w="6664411" h="447627">
-                        <a:moveTo>
-                          <a:pt x="0" y="133068"/>
-                        </a:moveTo>
-                        <a:cubicBezTo>
-                          <a:pt x="394730" y="299198"/>
-                          <a:pt x="789460" y="465328"/>
-                          <a:pt x="1293341" y="446106"/>
-                        </a:cubicBezTo>
-                        <a:cubicBezTo>
-                          <a:pt x="1797222" y="426884"/>
-                          <a:pt x="2128109" y="79522"/>
-                          <a:pt x="3023287" y="17738"/>
-                        </a:cubicBezTo>
-                        <a:cubicBezTo>
-                          <a:pt x="3918465" y="-44046"/>
-                          <a:pt x="6664411" y="75403"/>
-                          <a:pt x="6664411" y="75403"/>
-                        </a:cubicBezTo>
-                      </a:path>
-                    </a:pathLst>
-                  </a:custGeom>
-                  <a:noFill/>
-                  <a:ln w="15875" cap="flat" cmpd="sng" algn="ctr">
-                    <a:solidFill>
-                      <a:sysClr val="window" lastClr="FFFFFF"/>
-                    </a:solidFill>
-                    <a:prstDash val="solid"/>
-                    <a:headEnd type="none" w="med" len="med"/>
-                    <a:tailEnd type="arrow" w="med" len="med"/>
-                  </a:ln>
-                  <a:effectLst/>
-                </p:spPr>
-                <p:txBody>
-                  <a:bodyPr rtlCol="0" anchor="ctr"/>
-                  <a:lstStyle/>
-                  <a:p>
-                    <a:pPr marL="0" marR="0" lvl="0" indent="0" algn="ctr" defTabSz="914400" eaLnBrk="1" fontAlgn="auto" latinLnBrk="0" hangingPunct="1">
-                      <a:lnSpc>
-                        <a:spcPct val="100000"/>
-                      </a:lnSpc>
-                      <a:spcBef>
-                        <a:spcPts val="0"/>
-                      </a:spcBef>
-                      <a:spcAft>
-                        <a:spcPts val="0"/>
-                      </a:spcAft>
-                      <a:buClrTx/>
-                      <a:buSzTx/>
-                      <a:buFontTx/>
-                      <a:buNone/>
-                      <a:tabLst/>
-                      <a:defRPr/>
-                    </a:pPr>
-                    <a:endParaRPr kumimoji="0" lang="zh-CN" altLang="en-US" sz="1800" b="0" i="0" u="none" strike="noStrike" kern="0" cap="none" spc="0" normalizeH="0" baseline="0" noProof="0">
-                      <a:ln>
-                        <a:noFill/>
-                      </a:ln>
-                      <a:solidFill>
-                        <a:prstClr val="white"/>
-                      </a:solidFill>
-                      <a:effectLst/>
-                      <a:uLnTx/>
-                      <a:uFillTx/>
-                      <a:latin typeface="Tw Cen MT" panose="020B0602020104020603"/>
-                      <a:ea typeface="宋体" panose="02010600030101010101" pitchFamily="2" charset="-122"/>
-                      <a:cs typeface="+mn-cs"/>
-                    </a:endParaRPr>
-                  </a:p>
-                </p:txBody>
-              </p:sp>
-              <p:sp>
-                <p:nvSpPr>
-                  <p:cNvPr id="55" name="圆角矩形 45">
-                    <a:extLst>
-                      <a:ext uri="{FF2B5EF4-FFF2-40B4-BE49-F238E27FC236}">
-                        <a16:creationId xmlns:a16="http://schemas.microsoft.com/office/drawing/2014/main" id="{D939BB7E-3CC0-495C-A5FB-69E19F1649BD}"/>
-                      </a:ext>
-                    </a:extLst>
-                  </p:cNvPr>
-                  <p:cNvSpPr/>
-                  <p:nvPr/>
-                </p:nvSpPr>
-                <p:spPr>
-                  <a:xfrm>
-                    <a:off x="2861284" y="3744481"/>
-                    <a:ext cx="848348" cy="249271"/>
-                  </a:xfrm>
-                  <a:prstGeom prst="roundRect">
-                    <a:avLst/>
-                  </a:prstGeom>
-                  <a:gradFill rotWithShape="1">
-                    <a:gsLst>
-                      <a:gs pos="0">
-                        <a:srgbClr val="D7537B">
-                          <a:tint val="94000"/>
-                          <a:satMod val="105000"/>
-                          <a:lumMod val="102000"/>
-                        </a:srgbClr>
-                      </a:gs>
-                      <a:gs pos="100000">
-                        <a:srgbClr val="D7537B">
-                          <a:shade val="74000"/>
-                          <a:satMod val="128000"/>
-                          <a:lumMod val="100000"/>
-                        </a:srgbClr>
-                      </a:gs>
-                    </a:gsLst>
-                    <a:lin ang="5400000" scaled="0"/>
-                  </a:gradFill>
-                  <a:ln>
-                    <a:noFill/>
-                  </a:ln>
-                  <a:effectLst>
-                    <a:outerShdw blurRad="57150" dist="19050" dir="5400000" algn="ctr" rotWithShape="0">
-                      <a:srgbClr val="000000">
-                        <a:alpha val="63000"/>
-                      </a:srgbClr>
-                    </a:outerShdw>
-                  </a:effectLst>
-                </p:spPr>
-                <p:txBody>
-                  <a:bodyPr rtlCol="0" anchor="ctr"/>
-                  <a:lstStyle/>
-                  <a:p>
-                    <a:pPr marL="0" marR="0" lvl="0" indent="0" algn="ctr" defTabSz="914400" eaLnBrk="1" fontAlgn="auto" latinLnBrk="0" hangingPunct="1">
-                      <a:lnSpc>
-                        <a:spcPct val="100000"/>
-                      </a:lnSpc>
-                      <a:spcBef>
-                        <a:spcPts val="0"/>
-                      </a:spcBef>
-                      <a:spcAft>
-                        <a:spcPts val="0"/>
-                      </a:spcAft>
-                      <a:buClrTx/>
-                      <a:buSzTx/>
-                      <a:buFontTx/>
-                      <a:buNone/>
-                      <a:tabLst/>
-                      <a:defRPr/>
-                    </a:pPr>
-                    <a:r>
-                      <a:rPr kumimoji="0" lang="en-US" altLang="zh-CN" sz="1400" b="1" i="0" u="none" strike="noStrike" kern="0" cap="none" spc="0" normalizeH="0" baseline="0" noProof="0">
-                        <a:ln>
-                          <a:noFill/>
-                        </a:ln>
-                        <a:solidFill>
-                          <a:prstClr val="white"/>
-                        </a:solidFill>
-                        <a:effectLst/>
-                        <a:uLnTx/>
-                        <a:uFillTx/>
-                        <a:latin typeface="微软雅黑" panose="020B0503020204020204" pitchFamily="34" charset="-122"/>
-                        <a:ea typeface="微软雅黑" panose="020B0503020204020204" pitchFamily="34" charset="-122"/>
-                        <a:cs typeface="+mn-cs"/>
-                      </a:rPr>
-                      <a:t>IoT/ICV</a:t>
-                    </a:r>
-                    <a:endParaRPr kumimoji="0" lang="zh-CN" altLang="en-US" sz="1400" b="1" i="0" u="none" strike="noStrike" kern="0" cap="none" spc="0" normalizeH="0" baseline="0" noProof="0">
-                      <a:ln>
-                        <a:noFill/>
-                      </a:ln>
-                      <a:solidFill>
-                        <a:prstClr val="white"/>
-                      </a:solidFill>
-                      <a:effectLst/>
-                      <a:uLnTx/>
-                      <a:uFillTx/>
-                      <a:latin typeface="微软雅黑" panose="020B0503020204020204" pitchFamily="34" charset="-122"/>
-                      <a:ea typeface="微软雅黑" panose="020B0503020204020204" pitchFamily="34" charset="-122"/>
-                      <a:cs typeface="+mn-cs"/>
-                    </a:endParaRPr>
+                    <a:pPr algn="ctr"/>
+                    <a:endParaRPr lang="zh-CN" altLang="en-US" sz="1600"/>
                   </a:p>
                 </p:txBody>
               </p:sp>
             </p:grpSp>
             <p:cxnSp>
               <p:nvCxnSpPr>
-                <p:cNvPr id="38" name="直接连接符 37">
+                <p:cNvPr id="5" name="直接连接符 4">
                   <a:extLst>
                     <a:ext uri="{FF2B5EF4-FFF2-40B4-BE49-F238E27FC236}">
-                      <a16:creationId xmlns:a16="http://schemas.microsoft.com/office/drawing/2014/main" id="{5A46CD71-BA56-4412-8374-18977A0D662B}"/>
+                      <a16:creationId xmlns:a16="http://schemas.microsoft.com/office/drawing/2014/main" id="{BF2745EA-CD29-4316-8ADF-85232F962257}"/>
                     </a:ext>
                   </a:extLst>
                 </p:cNvPr>
                 <p:cNvCxnSpPr>
-                  <a:stCxn id="54" idx="1"/>
-                  <a:endCxn id="40" idx="2"/>
+                  <a:stCxn id="40" idx="0"/>
+                  <a:endCxn id="49" idx="2"/>
                 </p:cNvCxnSpPr>
                 <p:nvPr/>
               </p:nvCxnSpPr>
               <p:spPr>
                 <a:xfrm flipH="1" flipV="1">
-                  <a:off x="5267965" y="3708928"/>
-                  <a:ext cx="170" cy="411210"/>
+                  <a:off x="2592280" y="2061188"/>
+                  <a:ext cx="596905" cy="265140"/>
                 </a:xfrm>
                 <a:prstGeom prst="line">
                   <a:avLst/>
@@ -7185,7 +7595,9 @@
                 <a:noFill/>
                 <a:ln w="19050" cap="flat" cmpd="sng" algn="ctr">
                   <a:solidFill>
-                    <a:sysClr val="window" lastClr="FFFFFF"/>
+                    <a:schemeClr val="tx2">
+                      <a:lumMod val="75000"/>
+                    </a:schemeClr>
                   </a:solidFill>
                   <a:prstDash val="solid"/>
                 </a:ln>
@@ -7194,22 +7606,23 @@
             </p:cxnSp>
             <p:cxnSp>
               <p:nvCxnSpPr>
-                <p:cNvPr id="39" name="直接连接符 38">
+                <p:cNvPr id="7" name="直接连接符 6">
                   <a:extLst>
                     <a:ext uri="{FF2B5EF4-FFF2-40B4-BE49-F238E27FC236}">
-                      <a16:creationId xmlns:a16="http://schemas.microsoft.com/office/drawing/2014/main" id="{2FA56E75-95CB-4571-BE5E-9ED706C8B167}"/>
+                      <a16:creationId xmlns:a16="http://schemas.microsoft.com/office/drawing/2014/main" id="{65B51EC1-F66F-401E-9F41-9C765C8F167C}"/>
                     </a:ext>
                   </a:extLst>
                 </p:cNvPr>
                 <p:cNvCxnSpPr>
-                  <a:endCxn id="46" idx="2"/>
+                  <a:stCxn id="40" idx="0"/>
+                  <a:endCxn id="44" idx="2"/>
                 </p:cNvCxnSpPr>
                 <p:nvPr/>
               </p:nvCxnSpPr>
               <p:spPr>
                 <a:xfrm flipV="1">
-                  <a:off x="8920289" y="3227033"/>
-                  <a:ext cx="0" cy="311768"/>
+                  <a:off x="3189185" y="2016758"/>
+                  <a:ext cx="487544" cy="309570"/>
                 </a:xfrm>
                 <a:prstGeom prst="line">
                   <a:avLst/>
@@ -7217,7 +7630,44 @@
                 <a:noFill/>
                 <a:ln w="19050" cap="flat" cmpd="sng" algn="ctr">
                   <a:solidFill>
-                    <a:sysClr val="window" lastClr="FFFFFF"/>
+                    <a:schemeClr val="tx2">
+                      <a:lumMod val="75000"/>
+                    </a:schemeClr>
+                  </a:solidFill>
+                  <a:prstDash val="solid"/>
+                </a:ln>
+                <a:effectLst/>
+              </p:spPr>
+            </p:cxnSp>
+            <p:cxnSp>
+              <p:nvCxnSpPr>
+                <p:cNvPr id="9" name="直接连接符 8">
+                  <a:extLst>
+                    <a:ext uri="{FF2B5EF4-FFF2-40B4-BE49-F238E27FC236}">
+                      <a16:creationId xmlns:a16="http://schemas.microsoft.com/office/drawing/2014/main" id="{504B4A5C-DF97-473E-BE0E-E37CF534348A}"/>
+                    </a:ext>
+                  </a:extLst>
+                </p:cNvPr>
+                <p:cNvCxnSpPr>
+                  <a:stCxn id="40" idx="0"/>
+                  <a:endCxn id="45" idx="2"/>
+                </p:cNvCxnSpPr>
+                <p:nvPr/>
+              </p:nvCxnSpPr>
+              <p:spPr>
+                <a:xfrm flipV="1">
+                  <a:off x="3189185" y="2016757"/>
+                  <a:ext cx="1664573" cy="309571"/>
+                </a:xfrm>
+                <a:prstGeom prst="line">
+                  <a:avLst/>
+                </a:prstGeom>
+                <a:noFill/>
+                <a:ln w="19050" cap="flat" cmpd="sng" algn="ctr">
+                  <a:solidFill>
+                    <a:schemeClr val="tx2">
+                      <a:lumMod val="75000"/>
+                    </a:schemeClr>
                   </a:solidFill>
                   <a:prstDash val="solid"/>
                 </a:ln>
@@ -7225,39 +7675,152 @@
               </p:spPr>
             </p:cxnSp>
           </p:grpSp>
+          <p:cxnSp>
+            <p:nvCxnSpPr>
+              <p:cNvPr id="16" name="直接连接符 15">
+                <a:extLst>
+                  <a:ext uri="{FF2B5EF4-FFF2-40B4-BE49-F238E27FC236}">
+                    <a16:creationId xmlns:a16="http://schemas.microsoft.com/office/drawing/2014/main" id="{46F4CEAF-88DA-4A53-A875-8D4A9B9E2763}"/>
+                  </a:ext>
+                </a:extLst>
+              </p:cNvPr>
+              <p:cNvCxnSpPr>
+                <a:stCxn id="42" idx="2"/>
+                <a:endCxn id="41" idx="0"/>
+              </p:cNvCxnSpPr>
+              <p:nvPr/>
+            </p:nvCxnSpPr>
+            <p:spPr>
+              <a:xfrm flipH="1">
+                <a:off x="5868734" y="3097070"/>
+                <a:ext cx="487146" cy="236922"/>
+              </a:xfrm>
+              <a:prstGeom prst="line">
+                <a:avLst/>
+              </a:prstGeom>
+              <a:ln w="19050">
+                <a:solidFill>
+                  <a:schemeClr val="accent3">
+                    <a:lumMod val="20000"/>
+                    <a:lumOff val="80000"/>
+                    <a:alpha val="60000"/>
+                  </a:schemeClr>
+                </a:solidFill>
+              </a:ln>
+            </p:spPr>
+            <p:style>
+              <a:lnRef idx="1">
+                <a:schemeClr val="accent1"/>
+              </a:lnRef>
+              <a:fillRef idx="0">
+                <a:schemeClr val="accent1"/>
+              </a:fillRef>
+              <a:effectRef idx="0">
+                <a:schemeClr val="accent1"/>
+              </a:effectRef>
+              <a:fontRef idx="minor">
+                <a:schemeClr val="tx1"/>
+              </a:fontRef>
+            </p:style>
+          </p:cxnSp>
+          <p:cxnSp>
+            <p:nvCxnSpPr>
+              <p:cNvPr id="18" name="直接连接符 17">
+                <a:extLst>
+                  <a:ext uri="{FF2B5EF4-FFF2-40B4-BE49-F238E27FC236}">
+                    <a16:creationId xmlns:a16="http://schemas.microsoft.com/office/drawing/2014/main" id="{A53F926A-A13A-466B-A498-B7F41B4CF0EF}"/>
+                  </a:ext>
+                </a:extLst>
+              </p:cNvPr>
+              <p:cNvCxnSpPr>
+                <a:cxnSpLocks/>
+                <a:stCxn id="42" idx="3"/>
+                <a:endCxn id="43" idx="1"/>
+              </p:cNvCxnSpPr>
+              <p:nvPr/>
+            </p:nvCxnSpPr>
+            <p:spPr>
+              <a:xfrm>
+                <a:off x="6773239" y="2949681"/>
+                <a:ext cx="297302" cy="106155"/>
+              </a:xfrm>
+              <a:prstGeom prst="line">
+                <a:avLst/>
+              </a:prstGeom>
+              <a:ln w="19050">
+                <a:solidFill>
+                  <a:schemeClr val="accent3">
+                    <a:lumMod val="20000"/>
+                    <a:lumOff val="80000"/>
+                    <a:alpha val="60000"/>
+                  </a:schemeClr>
+                </a:solidFill>
+              </a:ln>
+            </p:spPr>
+            <p:style>
+              <a:lnRef idx="1">
+                <a:schemeClr val="accent1"/>
+              </a:lnRef>
+              <a:fillRef idx="0">
+                <a:schemeClr val="accent1"/>
+              </a:fillRef>
+              <a:effectRef idx="0">
+                <a:schemeClr val="accent1"/>
+              </a:effectRef>
+              <a:fontRef idx="minor">
+                <a:schemeClr val="tx1"/>
+              </a:fontRef>
+            </p:style>
+          </p:cxnSp>
+          <p:cxnSp>
+            <p:nvCxnSpPr>
+              <p:cNvPr id="20" name="直接连接符 19">
+                <a:extLst>
+                  <a:ext uri="{FF2B5EF4-FFF2-40B4-BE49-F238E27FC236}">
+                    <a16:creationId xmlns:a16="http://schemas.microsoft.com/office/drawing/2014/main" id="{010BA754-295E-44FB-97CA-D8528D0E28D0}"/>
+                  </a:ext>
+                </a:extLst>
+              </p:cNvPr>
+              <p:cNvCxnSpPr>
+                <a:stCxn id="35" idx="3"/>
+                <a:endCxn id="42" idx="1"/>
+              </p:cNvCxnSpPr>
+              <p:nvPr/>
+            </p:nvCxnSpPr>
+            <p:spPr>
+              <a:xfrm flipV="1">
+                <a:off x="4897746" y="2949681"/>
+                <a:ext cx="1040774" cy="73988"/>
+              </a:xfrm>
+              <a:prstGeom prst="line">
+                <a:avLst/>
+              </a:prstGeom>
+              <a:ln w="19050">
+                <a:solidFill>
+                  <a:schemeClr val="accent3">
+                    <a:lumMod val="20000"/>
+                    <a:lumOff val="80000"/>
+                    <a:alpha val="60000"/>
+                  </a:schemeClr>
+                </a:solidFill>
+              </a:ln>
+            </p:spPr>
+            <p:style>
+              <a:lnRef idx="1">
+                <a:schemeClr val="accent1"/>
+              </a:lnRef>
+              <a:fillRef idx="0">
+                <a:schemeClr val="accent1"/>
+              </a:fillRef>
+              <a:effectRef idx="0">
+                <a:schemeClr val="accent1"/>
+              </a:effectRef>
+              <a:fontRef idx="minor">
+                <a:schemeClr val="tx1"/>
+              </a:fontRef>
+            </p:style>
+          </p:cxnSp>
         </p:grpSp>
-        <p:cxnSp>
-          <p:nvCxnSpPr>
-            <p:cNvPr id="32" name="直接连接符 31">
-              <a:extLst>
-                <a:ext uri="{FF2B5EF4-FFF2-40B4-BE49-F238E27FC236}">
-                  <a16:creationId xmlns:a16="http://schemas.microsoft.com/office/drawing/2014/main" id="{A7966277-186F-432A-9531-E3B2660CBDC8}"/>
-                </a:ext>
-              </a:extLst>
-            </p:cNvPr>
-            <p:cNvCxnSpPr>
-              <a:endCxn id="35" idx="0"/>
-            </p:cNvCxnSpPr>
-            <p:nvPr/>
-          </p:nvCxnSpPr>
-          <p:spPr>
-            <a:xfrm>
-              <a:off x="6819027" y="3629025"/>
-              <a:ext cx="1" cy="250505"/>
-            </a:xfrm>
-            <a:prstGeom prst="line">
-              <a:avLst/>
-            </a:prstGeom>
-            <a:noFill/>
-            <a:ln w="19050" cap="flat" cmpd="sng" algn="ctr">
-              <a:solidFill>
-                <a:sysClr val="window" lastClr="FFFFFF"/>
-              </a:solidFill>
-              <a:prstDash val="solid"/>
-            </a:ln>
-            <a:effectLst/>
-          </p:spPr>
-        </p:cxnSp>
       </p:grpSp>
     </p:spTree>
     <p:extLst>
